--- a/presentation.pptx
+++ b/presentation.pptx
@@ -132,6 +132,11 @@
       </a:defRPr>
     </a:lvl9pPr>
   </p:defaultTextStyle>
+  <p:extLst>
+    <p:ext uri="{EFAFB233-063F-42B5-8137-9DF3F51BA10A}">
+      <p15:sldGuideLst xmlns:p15="http://schemas.microsoft.com/office/powerpoint/2012/main"/>
+    </p:ext>
+  </p:extLst>
 </p:presentation>
 </file>
 
@@ -217,7 +222,7 @@
           <a:p>
             <a:fld id="{75CCCCE2-55BA-4A0E-BC36-54DA1D81DC43}" type="datetimeFigureOut">
               <a:rPr lang="en-CA" smtClean="0"/>
-              <a:t>2018-04-09</a:t>
+              <a:t>2018-04-10</a:t>
             </a:fld>
             <a:endParaRPr lang="en-CA"/>
           </a:p>
@@ -2559,7 +2564,7 @@
           <a:p>
             <a:fld id="{A738D854-5E43-4754-88CA-AF767767BA85}" type="datetimeFigureOut">
               <a:rPr lang="en-CA" smtClean="0"/>
-              <a:t>2018-04-09</a:t>
+              <a:t>2018-04-10</a:t>
             </a:fld>
             <a:endParaRPr lang="en-CA"/>
           </a:p>
@@ -2767,7 +2772,7 @@
           <a:p>
             <a:fld id="{A738D854-5E43-4754-88CA-AF767767BA85}" type="datetimeFigureOut">
               <a:rPr lang="en-CA" smtClean="0"/>
-              <a:t>2018-04-09</a:t>
+              <a:t>2018-04-10</a:t>
             </a:fld>
             <a:endParaRPr lang="en-CA"/>
           </a:p>
@@ -3023,7 +3028,7 @@
           <a:p>
             <a:fld id="{A738D854-5E43-4754-88CA-AF767767BA85}" type="datetimeFigureOut">
               <a:rPr lang="en-CA" smtClean="0"/>
-              <a:t>2018-04-09</a:t>
+              <a:t>2018-04-10</a:t>
             </a:fld>
             <a:endParaRPr lang="en-CA"/>
           </a:p>
@@ -3197,7 +3202,7 @@
           <a:p>
             <a:fld id="{A738D854-5E43-4754-88CA-AF767767BA85}" type="datetimeFigureOut">
               <a:rPr lang="en-CA" smtClean="0"/>
-              <a:t>2018-04-09</a:t>
+              <a:t>2018-04-10</a:t>
             </a:fld>
             <a:endParaRPr lang="en-CA"/>
           </a:p>
@@ -3540,7 +3545,7 @@
           <a:p>
             <a:fld id="{A738D854-5E43-4754-88CA-AF767767BA85}" type="datetimeFigureOut">
               <a:rPr lang="en-CA" smtClean="0"/>
-              <a:t>2018-04-09</a:t>
+              <a:t>2018-04-10</a:t>
             </a:fld>
             <a:endParaRPr lang="en-CA"/>
           </a:p>
@@ -3815,7 +3820,7 @@
           <a:p>
             <a:fld id="{A738D854-5E43-4754-88CA-AF767767BA85}" type="datetimeFigureOut">
               <a:rPr lang="en-CA" smtClean="0"/>
-              <a:t>2018-04-09</a:t>
+              <a:t>2018-04-10</a:t>
             </a:fld>
             <a:endParaRPr lang="en-CA"/>
           </a:p>
@@ -4194,7 +4199,7 @@
           <a:p>
             <a:fld id="{A738D854-5E43-4754-88CA-AF767767BA85}" type="datetimeFigureOut">
               <a:rPr lang="en-CA" smtClean="0"/>
-              <a:t>2018-04-09</a:t>
+              <a:t>2018-04-10</a:t>
             </a:fld>
             <a:endParaRPr lang="en-CA"/>
           </a:p>
@@ -4312,7 +4317,7 @@
           <a:p>
             <a:fld id="{A738D854-5E43-4754-88CA-AF767767BA85}" type="datetimeFigureOut">
               <a:rPr lang="en-CA" smtClean="0"/>
-              <a:t>2018-04-09</a:t>
+              <a:t>2018-04-10</a:t>
             </a:fld>
             <a:endParaRPr lang="en-CA"/>
           </a:p>
@@ -4483,7 +4488,7 @@
           <a:p>
             <a:fld id="{A738D854-5E43-4754-88CA-AF767767BA85}" type="datetimeFigureOut">
               <a:rPr lang="en-CA" smtClean="0"/>
-              <a:t>2018-04-09</a:t>
+              <a:t>2018-04-10</a:t>
             </a:fld>
             <a:endParaRPr lang="en-CA"/>
           </a:p>
@@ -4837,7 +4842,7 @@
           <a:p>
             <a:fld id="{A738D854-5E43-4754-88CA-AF767767BA85}" type="datetimeFigureOut">
               <a:rPr lang="en-CA" smtClean="0"/>
-              <a:t>2018-04-09</a:t>
+              <a:t>2018-04-10</a:t>
             </a:fld>
             <a:endParaRPr lang="en-CA"/>
           </a:p>
@@ -5219,7 +5224,7 @@
           <a:p>
             <a:fld id="{A738D854-5E43-4754-88CA-AF767767BA85}" type="datetimeFigureOut">
               <a:rPr lang="en-CA" smtClean="0"/>
-              <a:t>2018-04-09</a:t>
+              <a:t>2018-04-10</a:t>
             </a:fld>
             <a:endParaRPr lang="en-CA"/>
           </a:p>
@@ -5506,7 +5511,7 @@
           <a:p>
             <a:fld id="{A738D854-5E43-4754-88CA-AF767767BA85}" type="datetimeFigureOut">
               <a:rPr lang="en-CA" smtClean="0"/>
-              <a:t>2018-04-09</a:t>
+              <a:t>2018-04-10</a:t>
             </a:fld>
             <a:endParaRPr lang="en-CA"/>
           </a:p>
@@ -6104,8 +6109,16 @@
               <a:t> \ </a:t>
             </a:r>
             <a:r>
+              <a:rPr lang="en-US" altLang="zh-CN" dirty="0" err="1" smtClean="0"/>
+              <a:t>minghao</a:t>
+            </a:r>
+            <a:r>
               <a:rPr lang="en-US" altLang="zh-CN" dirty="0" smtClean="0"/>
-              <a:t>Frank Lu \ </a:t>
+              <a:t> </a:t>
+            </a:r>
+            <a:r>
+              <a:rPr lang="en-US" altLang="zh-CN" dirty="0" smtClean="0"/>
+              <a:t>Lu \ </a:t>
             </a:r>
             <a:r>
               <a:rPr lang="en-US" altLang="zh-CN" dirty="0" err="1" smtClean="0"/>
@@ -7510,7 +7523,49 @@
             </a:r>
             <a:r>
               <a:rPr lang="en-CA" dirty="0" smtClean="0"/>
-              <a:t>Win share over Plus or Minus</a:t>
+              <a:t>Win share over Plus or </a:t>
+            </a:r>
+            <a:r>
+              <a:rPr lang="en-CA" dirty="0" smtClean="0"/>
+              <a:t>Minus</a:t>
+            </a:r>
+          </a:p>
+          <a:p>
+            <a:pPr lvl="1">
+              <a:buFont typeface="Arial" panose="020B0604020202020204" pitchFamily="34" charset="0"/>
+              <a:buChar char="•"/>
+            </a:pPr>
+            <a:r>
+              <a:rPr lang="en-US" dirty="0" smtClean="0"/>
+              <a:t>Plus or Minus heavily relies on teammates</a:t>
+            </a:r>
+          </a:p>
+          <a:p>
+            <a:pPr lvl="1">
+              <a:buFont typeface="Arial" panose="020B0604020202020204" pitchFamily="34" charset="0"/>
+              <a:buChar char="•"/>
+            </a:pPr>
+            <a:r>
+              <a:rPr lang="en-US" dirty="0" smtClean="0"/>
+              <a:t>Average </a:t>
+            </a:r>
+            <a:r>
+              <a:rPr lang="en-US" dirty="0"/>
+              <a:t>p</a:t>
+            </a:r>
+            <a:r>
+              <a:rPr lang="en-US" dirty="0" smtClean="0"/>
+              <a:t>layers might have high Plus or Minus if their team is winning a lot</a:t>
+            </a:r>
+          </a:p>
+          <a:p>
+            <a:pPr lvl="1">
+              <a:buFont typeface="Arial" panose="020B0604020202020204" pitchFamily="34" charset="0"/>
+              <a:buChar char="•"/>
+            </a:pPr>
+            <a:r>
+              <a:rPr lang="en-US" dirty="0" smtClean="0"/>
+              <a:t>Win share relies a lot less than other people</a:t>
             </a:r>
             <a:endParaRPr lang="en-CA" dirty="0"/>
           </a:p>

--- a/presentation.pptx
+++ b/presentation.pptx
@@ -286,35 +286,35 @@
           <a:p>
             <a:pPr lvl="0"/>
             <a:r>
-              <a:rPr lang="zh-CN" altLang="en-US" smtClean="0"/>
+              <a:rPr lang="zh-CN" altLang="en-US"/>
               <a:t>单击此处编辑母版文本样式</a:t>
             </a:r>
           </a:p>
           <a:p>
             <a:pPr lvl="1"/>
             <a:r>
-              <a:rPr lang="zh-CN" altLang="en-US" smtClean="0"/>
+              <a:rPr lang="zh-CN" altLang="en-US"/>
               <a:t>第二级</a:t>
             </a:r>
           </a:p>
           <a:p>
             <a:pPr lvl="2"/>
             <a:r>
-              <a:rPr lang="zh-CN" altLang="en-US" smtClean="0"/>
+              <a:rPr lang="zh-CN" altLang="en-US"/>
               <a:t>第三级</a:t>
             </a:r>
           </a:p>
           <a:p>
             <a:pPr lvl="3"/>
             <a:r>
-              <a:rPr lang="zh-CN" altLang="en-US" smtClean="0"/>
+              <a:rPr lang="zh-CN" altLang="en-US"/>
               <a:t>第四级</a:t>
             </a:r>
           </a:p>
           <a:p>
             <a:pPr lvl="4"/>
             <a:r>
-              <a:rPr lang="zh-CN" altLang="en-US" smtClean="0"/>
+              <a:rPr lang="zh-CN" altLang="en-US"/>
               <a:t>第五级</a:t>
             </a:r>
             <a:endParaRPr lang="en-CA"/>
@@ -535,11 +535,11 @@
           <a:lstStyle/>
           <a:p>
             <a:r>
-              <a:rPr lang="en-CA" dirty="0" smtClean="0"/>
+              <a:rPr lang="en-CA" dirty="0"/>
               <a:t>Why did we choose</a:t>
             </a:r>
             <a:r>
-              <a:rPr lang="en-CA" baseline="0" dirty="0" smtClean="0"/>
+              <a:rPr lang="en-CA" baseline="0" dirty="0"/>
               <a:t> this topic?</a:t>
             </a:r>
           </a:p>
@@ -549,7 +549,7 @@
               <a:buChar char="-"/>
             </a:pPr>
             <a:r>
-              <a:rPr lang="en-CA" baseline="0" dirty="0" smtClean="0"/>
+              <a:rPr lang="en-CA" baseline="0" dirty="0"/>
               <a:t>Initially thinking to do projecting players’ upcoming year statistics based on current year statistics. After some research, realized that a lot of people have already done similar things. Wanted to try something different that not many people have done. First thing came into my mind is predicting salary.</a:t>
             </a:r>
           </a:p>
@@ -558,7 +558,7 @@
               <a:buFontTx/>
               <a:buNone/>
             </a:pPr>
-            <a:endParaRPr lang="en-CA" baseline="0" dirty="0" smtClean="0"/>
+            <a:endParaRPr lang="en-CA" baseline="0" dirty="0"/>
           </a:p>
           <a:p>
             <a:pPr marL="0" indent="0">
@@ -566,7 +566,7 @@
               <a:buNone/>
             </a:pPr>
             <a:r>
-              <a:rPr lang="en-CA" baseline="0" dirty="0" smtClean="0"/>
+              <a:rPr lang="en-CA" baseline="0" dirty="0"/>
               <a:t>Dataset:</a:t>
             </a:r>
           </a:p>
@@ -576,11 +576,11 @@
               <a:buChar char="-"/>
             </a:pPr>
             <a:r>
-              <a:rPr lang="en-CA" baseline="0" dirty="0" smtClean="0"/>
+              <a:rPr lang="en-CA" baseline="0" dirty="0"/>
               <a:t>Obtained from </a:t>
             </a:r>
             <a:r>
-              <a:rPr lang="en-CA" sz="1200" b="0" i="0" u="none" strike="noStrike" kern="1200" baseline="0" dirty="0" smtClean="0">
+              <a:rPr lang="en-CA" sz="1200" b="0" i="0" u="none" strike="noStrike" kern="1200" baseline="0" dirty="0">
                 <a:solidFill>
                   <a:schemeClr val="tx1"/>
                 </a:solidFill>
@@ -596,7 +596,7 @@
               <a:buFontTx/>
               <a:buChar char="-"/>
             </a:pPr>
-            <a:endParaRPr lang="en-CA" sz="1200" b="0" i="0" u="none" strike="noStrike" kern="1200" baseline="0" dirty="0" smtClean="0">
+            <a:endParaRPr lang="en-CA" sz="1200" b="0" i="0" u="none" strike="noStrike" kern="1200" baseline="0" dirty="0">
               <a:solidFill>
                 <a:schemeClr val="tx1"/>
               </a:solidFill>
@@ -611,7 +611,7 @@
               <a:buNone/>
             </a:pPr>
             <a:r>
-              <a:rPr lang="en-CA" dirty="0" smtClean="0"/>
+              <a:rPr lang="en-CA" dirty="0"/>
               <a:t>Preprocessing:</a:t>
             </a:r>
           </a:p>
@@ -621,11 +621,11 @@
               <a:buChar char="-"/>
             </a:pPr>
             <a:r>
-              <a:rPr lang="en-CA" dirty="0" smtClean="0"/>
+              <a:rPr lang="en-CA" dirty="0"/>
               <a:t>Remove</a:t>
             </a:r>
             <a:r>
-              <a:rPr lang="en-CA" baseline="0" dirty="0" smtClean="0"/>
+              <a:rPr lang="en-CA" baseline="0" dirty="0"/>
               <a:t> duplicated salary (players get waived then signed with another team)</a:t>
             </a:r>
           </a:p>
@@ -635,7 +635,7 @@
               <a:buChar char="-"/>
             </a:pPr>
             <a:r>
-              <a:rPr lang="en-CA" baseline="0" dirty="0" smtClean="0"/>
+              <a:rPr lang="en-CA" baseline="0" dirty="0"/>
               <a:t>Deleted records with missing data</a:t>
             </a:r>
           </a:p>
@@ -645,7 +645,7 @@
               <a:buChar char="-"/>
             </a:pPr>
             <a:r>
-              <a:rPr lang="en-CA" baseline="0" dirty="0" smtClean="0"/>
+              <a:rPr lang="en-CA" baseline="0" dirty="0"/>
               <a:t>Outliers such as Gordon Hayward, did not remove, used log transformation</a:t>
             </a:r>
           </a:p>
@@ -655,7 +655,7 @@
               <a:buChar char="-"/>
             </a:pPr>
             <a:r>
-              <a:rPr lang="en-CA" baseline="0" dirty="0" smtClean="0"/>
+              <a:rPr lang="en-CA" baseline="0" dirty="0"/>
               <a:t>We thought win rate when the player is playing could potentially be a factor, so we just did Win/Games Played</a:t>
             </a:r>
           </a:p>
@@ -749,18 +749,17 @@
           <a:lstStyle/>
           <a:p>
             <a:r>
-              <a:rPr lang="en-CA" dirty="0" smtClean="0"/>
+              <a:rPr lang="en-CA" dirty="0"/>
               <a:t>We see that the best learning rate for these 21 explanatory </a:t>
             </a:r>
             <a:r>
-              <a:rPr lang="en-CA" dirty="0" err="1" smtClean="0"/>
+              <a:rPr lang="en-CA" dirty="0" err="1"/>
               <a:t>variates</a:t>
             </a:r>
             <a:r>
-              <a:rPr lang="en-CA" dirty="0" smtClean="0"/>
+              <a:rPr lang="en-CA" dirty="0"/>
               <a:t> is at around 0.06, with cv error around 1.15</a:t>
             </a:r>
-            <a:endParaRPr lang="en-CA" dirty="0"/>
           </a:p>
         </p:txBody>
       </p:sp>
@@ -849,7 +848,7 @@
               <a:buChar char="-"/>
             </a:pPr>
             <a:r>
-              <a:rPr lang="en-CA" dirty="0" smtClean="0"/>
+              <a:rPr lang="en-CA" dirty="0"/>
               <a:t>We would like to evaluate the best value for M, the total number of trees to fit, in order to find the minimum number of iterations needed to get a reasonable result with small cv error</a:t>
             </a:r>
           </a:p>
@@ -859,11 +858,11 @@
               <a:buChar char="-"/>
             </a:pPr>
             <a:r>
-              <a:rPr lang="en-CA" dirty="0" smtClean="0"/>
+              <a:rPr lang="en-CA" dirty="0"/>
               <a:t>Turns out to be M = 150 at cv error 1.16, with diminishing</a:t>
             </a:r>
             <a:r>
-              <a:rPr lang="en-CA" baseline="0" dirty="0" smtClean="0"/>
+              <a:rPr lang="en-CA" baseline="0" dirty="0"/>
               <a:t> returns for greater values.</a:t>
             </a:r>
             <a:endParaRPr lang="en-CA" dirty="0"/>
@@ -1039,19 +1038,19 @@
               <a:buChar char="-"/>
             </a:pPr>
             <a:r>
-              <a:rPr lang="en-CA" baseline="0" dirty="0" smtClean="0"/>
+              <a:rPr lang="en-CA" baseline="0" dirty="0"/>
               <a:t>Chose </a:t>
             </a:r>
             <a:r>
-              <a:rPr lang="en-CA" baseline="0" dirty="0" err="1" smtClean="0"/>
+              <a:rPr lang="en-CA" baseline="0" dirty="0" err="1"/>
               <a:t>bag.fraction</a:t>
             </a:r>
             <a:r>
-              <a:rPr lang="en-CA" baseline="0" dirty="0" smtClean="0"/>
+              <a:rPr lang="en-CA" baseline="0" dirty="0"/>
               <a:t> = 1 to remove randomness, if not, </a:t>
             </a:r>
             <a:r>
-              <a:rPr lang="en-CA" sz="1200" b="0" i="0" u="none" strike="noStrike" kern="1200" baseline="0" dirty="0" smtClean="0">
+              <a:rPr lang="en-CA" sz="1200" b="0" i="0" u="none" strike="noStrike" kern="1200" baseline="0" dirty="0">
                 <a:solidFill>
                   <a:schemeClr val="tx1"/>
                 </a:solidFill>
@@ -1068,7 +1067,7 @@
               <a:buChar char="-"/>
             </a:pPr>
             <a:r>
-              <a:rPr lang="en-CA" sz="1200" b="0" i="0" u="none" strike="noStrike" kern="1200" baseline="0" dirty="0" smtClean="0">
+              <a:rPr lang="en-CA" sz="1200" b="0" i="0" u="none" strike="noStrike" kern="1200" baseline="0" dirty="0">
                 <a:solidFill>
                   <a:schemeClr val="tx1"/>
                 </a:solidFill>
@@ -1079,7 +1078,7 @@
               <a:t>Chose shrinkage = 0.05, </a:t>
             </a:r>
             <a:r>
-              <a:rPr lang="en-CA" sz="1200" b="0" i="0" kern="1200" dirty="0" smtClean="0">
+              <a:rPr lang="en-CA" sz="1200" b="0" i="0" kern="1200" dirty="0">
                 <a:solidFill>
                   <a:schemeClr val="tx1"/>
                 </a:solidFill>
@@ -1091,7 +1090,7 @@
               <a:t>we want to improve the model's generalization ability, did increase computation</a:t>
             </a:r>
             <a:r>
-              <a:rPr lang="en-CA" sz="1200" b="0" i="0" kern="1200" baseline="0" dirty="0" smtClean="0">
+              <a:rPr lang="en-CA" sz="1200" b="0" i="0" kern="1200" baseline="0" dirty="0">
                 <a:solidFill>
                   <a:schemeClr val="tx1"/>
                 </a:solidFill>
@@ -1102,7 +1101,7 @@
               </a:rPr>
               <a:t> time by some time.</a:t>
             </a:r>
-            <a:endParaRPr lang="en-CA" dirty="0" smtClean="0"/>
+            <a:endParaRPr lang="en-CA" dirty="0"/>
           </a:p>
           <a:p>
             <a:endParaRPr lang="en-CA" dirty="0"/>
@@ -1291,15 +1290,15 @@
               <a:defRPr/>
             </a:pPr>
             <a:r>
-              <a:rPr lang="en-CA" dirty="0" smtClean="0"/>
+              <a:rPr lang="en-CA" dirty="0"/>
               <a:t>We see that the best learning rate for these 15 explanatory </a:t>
             </a:r>
             <a:r>
-              <a:rPr lang="en-CA" dirty="0" err="1" smtClean="0"/>
+              <a:rPr lang="en-CA" dirty="0" err="1"/>
               <a:t>variates</a:t>
             </a:r>
             <a:r>
-              <a:rPr lang="en-CA" dirty="0" smtClean="0"/>
+              <a:rPr lang="en-CA" dirty="0"/>
               <a:t> is at around 0.06 – 0.08, with cv error around 1.66.</a:t>
             </a:r>
           </a:p>
@@ -1393,7 +1392,7 @@
               <a:buChar char="-"/>
             </a:pPr>
             <a:r>
-              <a:rPr lang="en-CA" dirty="0" smtClean="0"/>
+              <a:rPr lang="en-CA" dirty="0"/>
               <a:t>We would like to evaluate the best value for M, the total number of trees to fit, in order to find the minimum number of iterations needed to get a reasonable result with small cv error</a:t>
             </a:r>
           </a:p>
@@ -1403,14 +1402,14 @@
               <a:buChar char="-"/>
             </a:pPr>
             <a:r>
-              <a:rPr lang="en-CA" dirty="0" smtClean="0"/>
+              <a:rPr lang="en-CA" dirty="0"/>
               <a:t>Turns out to be M = 200 at cv error 1.66., with diminishing</a:t>
             </a:r>
             <a:r>
-              <a:rPr lang="en-CA" baseline="0" dirty="0" smtClean="0"/>
+              <a:rPr lang="en-CA" baseline="0" dirty="0"/>
               <a:t> returns for greater values.</a:t>
             </a:r>
-            <a:endParaRPr lang="en-CA" dirty="0" smtClean="0"/>
+            <a:endParaRPr lang="en-CA" dirty="0"/>
           </a:p>
           <a:p>
             <a:endParaRPr lang="en-CA" dirty="0"/>
@@ -1498,14 +1497,14 @@
           <a:lstStyle/>
           <a:p>
             <a:r>
-              <a:rPr lang="en-CA" dirty="0" smtClean="0"/>
+              <a:rPr lang="en-CA" dirty="0"/>
               <a:t>- Plotted all these</a:t>
             </a:r>
             <a:r>
-              <a:rPr lang="en-CA" baseline="0" dirty="0" smtClean="0"/>
+              <a:rPr lang="en-CA" baseline="0" dirty="0"/>
               <a:t> data against log(salary)</a:t>
             </a:r>
-            <a:endParaRPr lang="en-CA" dirty="0" smtClean="0"/>
+            <a:endParaRPr lang="en-CA" dirty="0"/>
           </a:p>
           <a:p>
             <a:pPr marL="171450" indent="-171450">
@@ -1513,19 +1512,19 @@
               <a:buChar char="-"/>
             </a:pPr>
             <a:r>
-              <a:rPr lang="en-CA" dirty="0" smtClean="0"/>
+              <a:rPr lang="en-CA" dirty="0"/>
               <a:t>Turns out Team</a:t>
             </a:r>
             <a:r>
-              <a:rPr lang="en-CA" baseline="0" dirty="0" smtClean="0"/>
+              <a:rPr lang="en-CA" baseline="0" dirty="0"/>
               <a:t> is the most significant factor, followed by MIN, FGM, </a:t>
             </a:r>
             <a:r>
-              <a:rPr lang="en-CA" baseline="0" dirty="0" err="1" smtClean="0"/>
+              <a:rPr lang="en-CA" baseline="0" dirty="0" err="1"/>
               <a:t>Draft.Round</a:t>
             </a:r>
             <a:r>
-              <a:rPr lang="en-CA" baseline="0" dirty="0" smtClean="0"/>
+              <a:rPr lang="en-CA" baseline="0" dirty="0"/>
               <a:t>, TOV</a:t>
             </a:r>
           </a:p>
@@ -1535,7 +1534,7 @@
               <a:buChar char="-"/>
             </a:pPr>
             <a:r>
-              <a:rPr lang="en-CA" baseline="0" dirty="0" smtClean="0"/>
+              <a:rPr lang="en-CA" baseline="0" dirty="0"/>
               <a:t>Note liability stats here such as TOV and PF means the more, higher the salary</a:t>
             </a:r>
           </a:p>
@@ -1545,7 +1544,7 @@
               <a:buChar char="-"/>
             </a:pPr>
             <a:r>
-              <a:rPr lang="en-CA" baseline="0" dirty="0" smtClean="0"/>
+              <a:rPr lang="en-CA" baseline="0" dirty="0"/>
               <a:t>Explain potential reasons why</a:t>
             </a:r>
             <a:endParaRPr lang="en-CA" dirty="0"/>
@@ -1637,15 +1636,15 @@
               <a:buChar char="-"/>
             </a:pPr>
             <a:r>
-              <a:rPr lang="en-CA" dirty="0" smtClean="0"/>
+              <a:rPr lang="en-CA" dirty="0"/>
               <a:t>cross validation is the lowest for 10 explanatory </a:t>
             </a:r>
             <a:r>
-              <a:rPr lang="en-CA" dirty="0" err="1" smtClean="0"/>
+              <a:rPr lang="en-CA" dirty="0" err="1"/>
               <a:t>variates</a:t>
             </a:r>
             <a:r>
-              <a:rPr lang="en-CA" dirty="0" smtClean="0"/>
+              <a:rPr lang="en-CA" dirty="0"/>
               <a:t>, at about 1.18</a:t>
             </a:r>
           </a:p>
@@ -1655,23 +1654,23 @@
               <a:buChar char="-"/>
             </a:pPr>
             <a:r>
-              <a:rPr lang="en-CA" dirty="0" smtClean="0"/>
+              <a:rPr lang="en-CA" dirty="0"/>
               <a:t>Try 10 </a:t>
             </a:r>
             <a:r>
-              <a:rPr lang="en-CA" dirty="0" err="1" smtClean="0"/>
+              <a:rPr lang="en-CA" dirty="0" err="1"/>
               <a:t>variates</a:t>
             </a:r>
             <a:r>
-              <a:rPr lang="en-CA" dirty="0" smtClean="0"/>
+              <a:rPr lang="en-CA" dirty="0"/>
               <a:t>, Team, MIN, FGM, </a:t>
             </a:r>
             <a:r>
-              <a:rPr lang="en-CA" dirty="0" err="1" smtClean="0"/>
+              <a:rPr lang="en-CA" dirty="0" err="1"/>
               <a:t>Draft.Round</a:t>
             </a:r>
             <a:r>
-              <a:rPr lang="en-CA" dirty="0" smtClean="0"/>
+              <a:rPr lang="en-CA" dirty="0"/>
               <a:t>, TOV, PF, PTS, AGE, REB, and FGPER</a:t>
             </a:r>
           </a:p>
@@ -1769,11 +1768,11 @@
               <a:buChar char="-"/>
             </a:pPr>
             <a:r>
-              <a:rPr lang="en-CA" dirty="0" smtClean="0"/>
+              <a:rPr lang="en-CA" dirty="0"/>
               <a:t>Now 5 has</a:t>
             </a:r>
             <a:r>
-              <a:rPr lang="en-CA" baseline="0" dirty="0" smtClean="0"/>
+              <a:rPr lang="en-CA" baseline="0" dirty="0"/>
               <a:t> the lowest cross validation error, at around 1.22</a:t>
             </a:r>
           </a:p>
@@ -1783,15 +1782,15 @@
               <a:buChar char="-"/>
             </a:pPr>
             <a:r>
-              <a:rPr lang="en-CA" baseline="0" dirty="0" smtClean="0"/>
+              <a:rPr lang="en-CA" baseline="0" dirty="0"/>
               <a:t>Try 5 </a:t>
             </a:r>
             <a:r>
-              <a:rPr lang="en-CA" baseline="0" dirty="0" err="1" smtClean="0"/>
+              <a:rPr lang="en-CA" baseline="0" dirty="0" err="1"/>
               <a:t>variates</a:t>
             </a:r>
             <a:r>
-              <a:rPr lang="en-CA" baseline="0" dirty="0" smtClean="0"/>
+              <a:rPr lang="en-CA" baseline="0" dirty="0"/>
               <a:t>, Team, MIN, FGM, PTS, and AGE</a:t>
             </a:r>
             <a:endParaRPr lang="en-CA" dirty="0"/>
@@ -1879,11 +1878,11 @@
           <a:lstStyle/>
           <a:p>
             <a:r>
-              <a:rPr lang="en-CA" dirty="0" smtClean="0"/>
+              <a:rPr lang="en-CA" dirty="0"/>
               <a:t>-</a:t>
             </a:r>
             <a:r>
-              <a:rPr lang="en-CA" baseline="0" dirty="0" smtClean="0"/>
+              <a:rPr lang="en-CA" baseline="0" dirty="0"/>
               <a:t> Confirms 5 has the lowest cross validation error, at about 1.64.</a:t>
             </a:r>
             <a:endParaRPr lang="en-CA" dirty="0"/>
@@ -2055,11 +2054,11 @@
           <a:lstStyle/>
           <a:p>
             <a:r>
-              <a:rPr lang="en-CA" dirty="0" smtClean="0"/>
+              <a:rPr lang="en-CA" dirty="0"/>
               <a:t>-</a:t>
             </a:r>
             <a:r>
-              <a:rPr lang="en-CA" baseline="0" dirty="0" smtClean="0"/>
+              <a:rPr lang="en-CA" baseline="0" dirty="0"/>
               <a:t> All the rest of the 15 variables are important, as the cross validation error is the lowest at 15, at 1.58.</a:t>
             </a:r>
             <a:endParaRPr lang="en-CA" dirty="0"/>
@@ -2151,19 +2150,19 @@
               <a:buChar char="-"/>
             </a:pPr>
             <a:r>
-              <a:rPr lang="en-CA" baseline="0" dirty="0" smtClean="0"/>
+              <a:rPr lang="en-CA" baseline="0" dirty="0"/>
               <a:t>Chose </a:t>
             </a:r>
             <a:r>
-              <a:rPr lang="en-CA" baseline="0" dirty="0" err="1" smtClean="0"/>
+              <a:rPr lang="en-CA" baseline="0" dirty="0" err="1"/>
               <a:t>bag.fraction</a:t>
             </a:r>
             <a:r>
-              <a:rPr lang="en-CA" baseline="0" dirty="0" smtClean="0"/>
+              <a:rPr lang="en-CA" baseline="0" dirty="0"/>
               <a:t> = 1 to remove randomness, if not, </a:t>
             </a:r>
             <a:r>
-              <a:rPr lang="en-CA" sz="1200" b="0" i="0" u="none" strike="noStrike" kern="1200" baseline="0" dirty="0" smtClean="0">
+              <a:rPr lang="en-CA" sz="1200" b="0" i="0" u="none" strike="noStrike" kern="1200" baseline="0" dirty="0">
                 <a:solidFill>
                   <a:schemeClr val="tx1"/>
                 </a:solidFill>
@@ -2180,7 +2179,7 @@
               <a:buChar char="-"/>
             </a:pPr>
             <a:r>
-              <a:rPr lang="en-CA" sz="1200" b="0" i="0" u="none" strike="noStrike" kern="1200" baseline="0" dirty="0" smtClean="0">
+              <a:rPr lang="en-CA" sz="1200" b="0" i="0" u="none" strike="noStrike" kern="1200" baseline="0" dirty="0">
                 <a:solidFill>
                   <a:schemeClr val="tx1"/>
                 </a:solidFill>
@@ -2191,7 +2190,7 @@
               <a:t>Chose shrinkage = 0.05, </a:t>
             </a:r>
             <a:r>
-              <a:rPr lang="en-CA" sz="1200" b="0" i="0" kern="1200" dirty="0" smtClean="0">
+              <a:rPr lang="en-CA" sz="1200" b="0" i="0" kern="1200" dirty="0">
                 <a:solidFill>
                   <a:schemeClr val="tx1"/>
                 </a:solidFill>
@@ -2203,7 +2202,7 @@
               <a:t>we want to improve the model's generalization ability, did increase computation</a:t>
             </a:r>
             <a:r>
-              <a:rPr lang="en-CA" sz="1200" b="0" i="0" kern="1200" baseline="0" dirty="0" smtClean="0">
+              <a:rPr lang="en-CA" sz="1200" b="0" i="0" kern="1200" baseline="0" dirty="0">
                 <a:solidFill>
                   <a:schemeClr val="tx1"/>
                 </a:solidFill>
@@ -2468,7 +2467,7 @@
           </a:lstStyle>
           <a:p>
             <a:r>
-              <a:rPr lang="zh-CN" altLang="en-US" smtClean="0"/>
+              <a:rPr lang="zh-CN" altLang="en-US"/>
               <a:t>单击此处编辑母版标题样式</a:t>
             </a:r>
             <a:endParaRPr lang="en-US" dirty="0"/>
@@ -2540,7 +2539,7 @@
           </a:lstStyle>
           <a:p>
             <a:r>
-              <a:rPr lang="zh-CN" altLang="en-US" smtClean="0"/>
+              <a:rPr lang="zh-CN" altLang="en-US"/>
               <a:t>单击此处编辑母版副标题样式</a:t>
             </a:r>
             <a:endParaRPr lang="en-US" dirty="0"/>
@@ -2696,7 +2695,7 @@
           <a:lstStyle/>
           <a:p>
             <a:r>
-              <a:rPr lang="zh-CN" altLang="en-US" smtClean="0"/>
+              <a:rPr lang="zh-CN" altLang="en-US"/>
               <a:t>单击此处编辑母版标题样式</a:t>
             </a:r>
             <a:endParaRPr lang="en-US" dirty="0"/>
@@ -2720,35 +2719,35 @@
           <a:p>
             <a:pPr lvl="0"/>
             <a:r>
-              <a:rPr lang="zh-CN" altLang="en-US" smtClean="0"/>
+              <a:rPr lang="zh-CN" altLang="en-US"/>
               <a:t>单击此处编辑母版文本样式</a:t>
             </a:r>
           </a:p>
           <a:p>
             <a:pPr lvl="1"/>
             <a:r>
-              <a:rPr lang="zh-CN" altLang="en-US" smtClean="0"/>
+              <a:rPr lang="zh-CN" altLang="en-US"/>
               <a:t>第二级</a:t>
             </a:r>
           </a:p>
           <a:p>
             <a:pPr lvl="2"/>
             <a:r>
-              <a:rPr lang="zh-CN" altLang="en-US" smtClean="0"/>
+              <a:rPr lang="zh-CN" altLang="en-US"/>
               <a:t>第三级</a:t>
             </a:r>
           </a:p>
           <a:p>
             <a:pPr lvl="3"/>
             <a:r>
-              <a:rPr lang="zh-CN" altLang="en-US" smtClean="0"/>
+              <a:rPr lang="zh-CN" altLang="en-US"/>
               <a:t>第四级</a:t>
             </a:r>
           </a:p>
           <a:p>
             <a:pPr lvl="4"/>
             <a:r>
-              <a:rPr lang="zh-CN" altLang="en-US" smtClean="0"/>
+              <a:rPr lang="zh-CN" altLang="en-US"/>
               <a:t>第五级</a:t>
             </a:r>
             <a:endParaRPr lang="en-US" dirty="0"/>
@@ -2947,7 +2946,7 @@
           <a:lstStyle/>
           <a:p>
             <a:r>
-              <a:rPr lang="zh-CN" altLang="en-US" smtClean="0"/>
+              <a:rPr lang="zh-CN" altLang="en-US"/>
               <a:t>单击此处编辑母版标题样式</a:t>
             </a:r>
             <a:endParaRPr lang="en-US" dirty="0"/>
@@ -2976,35 +2975,35 @@
           <a:p>
             <a:pPr lvl="0"/>
             <a:r>
-              <a:rPr lang="zh-CN" altLang="en-US" smtClean="0"/>
+              <a:rPr lang="zh-CN" altLang="en-US"/>
               <a:t>单击此处编辑母版文本样式</a:t>
             </a:r>
           </a:p>
           <a:p>
             <a:pPr lvl="1"/>
             <a:r>
-              <a:rPr lang="zh-CN" altLang="en-US" smtClean="0"/>
+              <a:rPr lang="zh-CN" altLang="en-US"/>
               <a:t>第二级</a:t>
             </a:r>
           </a:p>
           <a:p>
             <a:pPr lvl="2"/>
             <a:r>
-              <a:rPr lang="zh-CN" altLang="en-US" smtClean="0"/>
+              <a:rPr lang="zh-CN" altLang="en-US"/>
               <a:t>第三级</a:t>
             </a:r>
           </a:p>
           <a:p>
             <a:pPr lvl="3"/>
             <a:r>
-              <a:rPr lang="zh-CN" altLang="en-US" smtClean="0"/>
+              <a:rPr lang="zh-CN" altLang="en-US"/>
               <a:t>第四级</a:t>
             </a:r>
           </a:p>
           <a:p>
             <a:pPr lvl="4"/>
             <a:r>
-              <a:rPr lang="zh-CN" altLang="en-US" smtClean="0"/>
+              <a:rPr lang="zh-CN" altLang="en-US"/>
               <a:t>第五级</a:t>
             </a:r>
             <a:endParaRPr lang="en-US" dirty="0"/>
@@ -3126,7 +3125,7 @@
           </a:lstStyle>
           <a:p>
             <a:r>
-              <a:rPr lang="zh-CN" altLang="en-US" smtClean="0"/>
+              <a:rPr lang="zh-CN" altLang="en-US"/>
               <a:t>单击此处编辑母版标题样式</a:t>
             </a:r>
             <a:endParaRPr lang="en-US" dirty="0"/>
@@ -3150,35 +3149,35 @@
           <a:p>
             <a:pPr lvl="0"/>
             <a:r>
-              <a:rPr lang="zh-CN" altLang="en-US" smtClean="0"/>
+              <a:rPr lang="zh-CN" altLang="en-US"/>
               <a:t>单击此处编辑母版文本样式</a:t>
             </a:r>
           </a:p>
           <a:p>
             <a:pPr lvl="1"/>
             <a:r>
-              <a:rPr lang="zh-CN" altLang="en-US" smtClean="0"/>
+              <a:rPr lang="zh-CN" altLang="en-US"/>
               <a:t>第二级</a:t>
             </a:r>
           </a:p>
           <a:p>
             <a:pPr lvl="2"/>
             <a:r>
-              <a:rPr lang="zh-CN" altLang="en-US" smtClean="0"/>
+              <a:rPr lang="zh-CN" altLang="en-US"/>
               <a:t>第三级</a:t>
             </a:r>
           </a:p>
           <a:p>
             <a:pPr lvl="3"/>
             <a:r>
-              <a:rPr lang="zh-CN" altLang="en-US" smtClean="0"/>
+              <a:rPr lang="zh-CN" altLang="en-US"/>
               <a:t>第四级</a:t>
             </a:r>
           </a:p>
           <a:p>
             <a:pPr lvl="4"/>
             <a:r>
-              <a:rPr lang="zh-CN" altLang="en-US" smtClean="0"/>
+              <a:rPr lang="zh-CN" altLang="en-US"/>
               <a:t>第五级</a:t>
             </a:r>
             <a:endParaRPr lang="en-US" dirty="0"/>
@@ -3401,7 +3400,7 @@
           </a:lstStyle>
           <a:p>
             <a:r>
-              <a:rPr lang="zh-CN" altLang="en-US" smtClean="0"/>
+              <a:rPr lang="zh-CN" altLang="en-US"/>
               <a:t>单击此处编辑母版标题样式</a:t>
             </a:r>
             <a:endParaRPr lang="en-US" dirty="0"/>
@@ -3522,7 +3521,7 @@
           <a:p>
             <a:pPr lvl="0"/>
             <a:r>
-              <a:rPr lang="zh-CN" altLang="en-US" smtClean="0"/>
+              <a:rPr lang="zh-CN" altLang="en-US"/>
               <a:t>单击此处编辑母版文本样式</a:t>
             </a:r>
           </a:p>
@@ -3682,7 +3681,7 @@
           <a:lstStyle/>
           <a:p>
             <a:r>
-              <a:rPr lang="zh-CN" altLang="en-US" smtClean="0"/>
+              <a:rPr lang="zh-CN" altLang="en-US"/>
               <a:t>单击此处编辑母版标题样式</a:t>
             </a:r>
             <a:endParaRPr lang="en-US" dirty="0"/>
@@ -3711,35 +3710,35 @@
           <a:p>
             <a:pPr lvl="0"/>
             <a:r>
-              <a:rPr lang="zh-CN" altLang="en-US" smtClean="0"/>
+              <a:rPr lang="zh-CN" altLang="en-US"/>
               <a:t>单击此处编辑母版文本样式</a:t>
             </a:r>
           </a:p>
           <a:p>
             <a:pPr lvl="1"/>
             <a:r>
-              <a:rPr lang="zh-CN" altLang="en-US" smtClean="0"/>
+              <a:rPr lang="zh-CN" altLang="en-US"/>
               <a:t>第二级</a:t>
             </a:r>
           </a:p>
           <a:p>
             <a:pPr lvl="2"/>
             <a:r>
-              <a:rPr lang="zh-CN" altLang="en-US" smtClean="0"/>
+              <a:rPr lang="zh-CN" altLang="en-US"/>
               <a:t>第三级</a:t>
             </a:r>
           </a:p>
           <a:p>
             <a:pPr lvl="3"/>
             <a:r>
-              <a:rPr lang="zh-CN" altLang="en-US" smtClean="0"/>
+              <a:rPr lang="zh-CN" altLang="en-US"/>
               <a:t>第四级</a:t>
             </a:r>
           </a:p>
           <a:p>
             <a:pPr lvl="4"/>
             <a:r>
-              <a:rPr lang="zh-CN" altLang="en-US" smtClean="0"/>
+              <a:rPr lang="zh-CN" altLang="en-US"/>
               <a:t>第五级</a:t>
             </a:r>
             <a:endParaRPr lang="en-US" dirty="0"/>
@@ -3768,35 +3767,35 @@
           <a:p>
             <a:pPr lvl="0"/>
             <a:r>
-              <a:rPr lang="zh-CN" altLang="en-US" smtClean="0"/>
+              <a:rPr lang="zh-CN" altLang="en-US"/>
               <a:t>单击此处编辑母版文本样式</a:t>
             </a:r>
           </a:p>
           <a:p>
             <a:pPr lvl="1"/>
             <a:r>
-              <a:rPr lang="zh-CN" altLang="en-US" smtClean="0"/>
+              <a:rPr lang="zh-CN" altLang="en-US"/>
               <a:t>第二级</a:t>
             </a:r>
           </a:p>
           <a:p>
             <a:pPr lvl="2"/>
             <a:r>
-              <a:rPr lang="zh-CN" altLang="en-US" smtClean="0"/>
+              <a:rPr lang="zh-CN" altLang="en-US"/>
               <a:t>第三级</a:t>
             </a:r>
           </a:p>
           <a:p>
             <a:pPr lvl="3"/>
             <a:r>
-              <a:rPr lang="zh-CN" altLang="en-US" smtClean="0"/>
+              <a:rPr lang="zh-CN" altLang="en-US"/>
               <a:t>第四级</a:t>
             </a:r>
           </a:p>
           <a:p>
             <a:pPr lvl="4"/>
             <a:r>
-              <a:rPr lang="zh-CN" altLang="en-US" smtClean="0"/>
+              <a:rPr lang="zh-CN" altLang="en-US"/>
               <a:t>第五级</a:t>
             </a:r>
             <a:endParaRPr lang="en-US" dirty="0"/>
@@ -3919,7 +3918,7 @@
           <a:lstStyle/>
           <a:p>
             <a:r>
-              <a:rPr lang="zh-CN" altLang="en-US" smtClean="0"/>
+              <a:rPr lang="zh-CN" altLang="en-US"/>
               <a:t>单击此处编辑母版标题样式</a:t>
             </a:r>
             <a:endParaRPr lang="en-US" dirty="0"/>
@@ -3991,7 +3990,7 @@
           <a:p>
             <a:pPr lvl="0"/>
             <a:r>
-              <a:rPr lang="zh-CN" altLang="en-US" smtClean="0"/>
+              <a:rPr lang="zh-CN" altLang="en-US"/>
               <a:t>单击此处编辑母版文本样式</a:t>
             </a:r>
           </a:p>
@@ -4019,35 +4018,35 @@
           <a:p>
             <a:pPr lvl="0"/>
             <a:r>
-              <a:rPr lang="zh-CN" altLang="en-US" smtClean="0"/>
+              <a:rPr lang="zh-CN" altLang="en-US"/>
               <a:t>单击此处编辑母版文本样式</a:t>
             </a:r>
           </a:p>
           <a:p>
             <a:pPr lvl="1"/>
             <a:r>
-              <a:rPr lang="zh-CN" altLang="en-US" smtClean="0"/>
+              <a:rPr lang="zh-CN" altLang="en-US"/>
               <a:t>第二级</a:t>
             </a:r>
           </a:p>
           <a:p>
             <a:pPr lvl="2"/>
             <a:r>
-              <a:rPr lang="zh-CN" altLang="en-US" smtClean="0"/>
+              <a:rPr lang="zh-CN" altLang="en-US"/>
               <a:t>第三级</a:t>
             </a:r>
           </a:p>
           <a:p>
             <a:pPr lvl="3"/>
             <a:r>
-              <a:rPr lang="zh-CN" altLang="en-US" smtClean="0"/>
+              <a:rPr lang="zh-CN" altLang="en-US"/>
               <a:t>第四级</a:t>
             </a:r>
           </a:p>
           <a:p>
             <a:pPr lvl="4"/>
             <a:r>
-              <a:rPr lang="zh-CN" altLang="en-US" smtClean="0"/>
+              <a:rPr lang="zh-CN" altLang="en-US"/>
               <a:t>第五级</a:t>
             </a:r>
             <a:endParaRPr lang="en-US" dirty="0"/>
@@ -4119,7 +4118,7 @@
           <a:p>
             <a:pPr lvl="0"/>
             <a:r>
-              <a:rPr lang="zh-CN" altLang="en-US" smtClean="0"/>
+              <a:rPr lang="zh-CN" altLang="en-US"/>
               <a:t>单击此处编辑母版文本样式</a:t>
             </a:r>
           </a:p>
@@ -4147,35 +4146,35 @@
           <a:p>
             <a:pPr lvl="0"/>
             <a:r>
-              <a:rPr lang="zh-CN" altLang="en-US" smtClean="0"/>
+              <a:rPr lang="zh-CN" altLang="en-US"/>
               <a:t>单击此处编辑母版文本样式</a:t>
             </a:r>
           </a:p>
           <a:p>
             <a:pPr lvl="1"/>
             <a:r>
-              <a:rPr lang="zh-CN" altLang="en-US" smtClean="0"/>
+              <a:rPr lang="zh-CN" altLang="en-US"/>
               <a:t>第二级</a:t>
             </a:r>
           </a:p>
           <a:p>
             <a:pPr lvl="2"/>
             <a:r>
-              <a:rPr lang="zh-CN" altLang="en-US" smtClean="0"/>
+              <a:rPr lang="zh-CN" altLang="en-US"/>
               <a:t>第三级</a:t>
             </a:r>
           </a:p>
           <a:p>
             <a:pPr lvl="3"/>
             <a:r>
-              <a:rPr lang="zh-CN" altLang="en-US" smtClean="0"/>
+              <a:rPr lang="zh-CN" altLang="en-US"/>
               <a:t>第四级</a:t>
             </a:r>
           </a:p>
           <a:p>
             <a:pPr lvl="4"/>
             <a:r>
-              <a:rPr lang="zh-CN" altLang="en-US" smtClean="0"/>
+              <a:rPr lang="zh-CN" altLang="en-US"/>
               <a:t>第五级</a:t>
             </a:r>
             <a:endParaRPr lang="en-US" dirty="0"/>
@@ -4293,7 +4292,7 @@
           <a:lstStyle/>
           <a:p>
             <a:r>
-              <a:rPr lang="zh-CN" altLang="en-US" smtClean="0"/>
+              <a:rPr lang="zh-CN" altLang="en-US"/>
               <a:t>单击此处编辑母版标题样式</a:t>
             </a:r>
             <a:endParaRPr lang="en-US" dirty="0"/>
@@ -4681,7 +4680,7 @@
           </a:lstStyle>
           <a:p>
             <a:r>
-              <a:rPr lang="zh-CN" altLang="en-US" smtClean="0"/>
+              <a:rPr lang="zh-CN" altLang="en-US"/>
               <a:t>单击此处编辑母版标题样式</a:t>
             </a:r>
             <a:endParaRPr lang="en-US" dirty="0"/>
@@ -4710,35 +4709,35 @@
           <a:p>
             <a:pPr lvl="0"/>
             <a:r>
-              <a:rPr lang="zh-CN" altLang="en-US" smtClean="0"/>
+              <a:rPr lang="zh-CN" altLang="en-US"/>
               <a:t>单击此处编辑母版文本样式</a:t>
             </a:r>
           </a:p>
           <a:p>
             <a:pPr lvl="1"/>
             <a:r>
-              <a:rPr lang="zh-CN" altLang="en-US" smtClean="0"/>
+              <a:rPr lang="zh-CN" altLang="en-US"/>
               <a:t>第二级</a:t>
             </a:r>
           </a:p>
           <a:p>
             <a:pPr lvl="2"/>
             <a:r>
-              <a:rPr lang="zh-CN" altLang="en-US" smtClean="0"/>
+              <a:rPr lang="zh-CN" altLang="en-US"/>
               <a:t>第三级</a:t>
             </a:r>
           </a:p>
           <a:p>
             <a:pPr lvl="3"/>
             <a:r>
-              <a:rPr lang="zh-CN" altLang="en-US" smtClean="0"/>
+              <a:rPr lang="zh-CN" altLang="en-US"/>
               <a:t>第四级</a:t>
             </a:r>
           </a:p>
           <a:p>
             <a:pPr lvl="4"/>
             <a:r>
-              <a:rPr lang="zh-CN" altLang="en-US" smtClean="0"/>
+              <a:rPr lang="zh-CN" altLang="en-US"/>
               <a:t>第五级</a:t>
             </a:r>
             <a:endParaRPr lang="en-US" dirty="0"/>
@@ -4810,7 +4809,7 @@
           <a:p>
             <a:pPr lvl="0"/>
             <a:r>
-              <a:rPr lang="zh-CN" altLang="en-US" smtClean="0"/>
+              <a:rPr lang="zh-CN" altLang="en-US"/>
               <a:t>单击此处编辑母版文本样式</a:t>
             </a:r>
           </a:p>
@@ -5048,7 +5047,7 @@
           </a:lstStyle>
           <a:p>
             <a:r>
-              <a:rPr lang="zh-CN" altLang="en-US" smtClean="0"/>
+              <a:rPr lang="zh-CN" altLang="en-US"/>
               <a:t>单击此处编辑母版标题样式</a:t>
             </a:r>
             <a:endParaRPr lang="en-US" dirty="0"/>
@@ -5123,7 +5122,7 @@
           </a:lstStyle>
           <a:p>
             <a:r>
-              <a:rPr lang="zh-CN" altLang="en-US" smtClean="0"/>
+              <a:rPr lang="zh-CN" altLang="en-US"/>
               <a:t>单击图标添加图片</a:t>
             </a:r>
             <a:endParaRPr lang="en-US" dirty="0"/>
@@ -5201,7 +5200,7 @@
           <a:p>
             <a:pPr lvl="0"/>
             <a:r>
-              <a:rPr lang="zh-CN" altLang="en-US" smtClean="0"/>
+              <a:rPr lang="zh-CN" altLang="en-US"/>
               <a:t>单击此处编辑母版文本样式</a:t>
             </a:r>
           </a:p>
@@ -5409,7 +5408,7 @@
           <a:lstStyle/>
           <a:p>
             <a:r>
-              <a:rPr lang="zh-CN" altLang="en-US" smtClean="0"/>
+              <a:rPr lang="zh-CN" altLang="en-US"/>
               <a:t>单击此处编辑母版标题样式</a:t>
             </a:r>
             <a:endParaRPr lang="en-US" dirty="0"/>
@@ -5443,35 +5442,35 @@
           <a:p>
             <a:pPr lvl="0"/>
             <a:r>
-              <a:rPr lang="zh-CN" altLang="en-US" smtClean="0"/>
+              <a:rPr lang="zh-CN" altLang="en-US"/>
               <a:t>单击此处编辑母版文本样式</a:t>
             </a:r>
           </a:p>
           <a:p>
             <a:pPr lvl="1"/>
             <a:r>
-              <a:rPr lang="zh-CN" altLang="en-US" smtClean="0"/>
+              <a:rPr lang="zh-CN" altLang="en-US"/>
               <a:t>第二级</a:t>
             </a:r>
           </a:p>
           <a:p>
             <a:pPr lvl="2"/>
             <a:r>
-              <a:rPr lang="zh-CN" altLang="en-US" smtClean="0"/>
+              <a:rPr lang="zh-CN" altLang="en-US"/>
               <a:t>第三级</a:t>
             </a:r>
           </a:p>
           <a:p>
             <a:pPr lvl="3"/>
             <a:r>
-              <a:rPr lang="zh-CN" altLang="en-US" smtClean="0"/>
+              <a:rPr lang="zh-CN" altLang="en-US"/>
               <a:t>第四级</a:t>
             </a:r>
           </a:p>
           <a:p>
             <a:pPr lvl="4"/>
             <a:r>
-              <a:rPr lang="zh-CN" altLang="en-US" smtClean="0"/>
+              <a:rPr lang="zh-CN" altLang="en-US"/>
               <a:t>第五级</a:t>
             </a:r>
             <a:endParaRPr lang="en-US" dirty="0"/>
@@ -6052,17 +6051,16 @@
           <a:p>
             <a:pPr algn="r"/>
             <a:r>
-              <a:rPr lang="en-CA" dirty="0" smtClean="0"/>
+              <a:rPr lang="en-CA" dirty="0"/>
               <a:t>Predicting Salary from NBA Player Statistics</a:t>
             </a:r>
             <a:br>
-              <a:rPr lang="en-CA" dirty="0" smtClean="0"/>
+              <a:rPr lang="en-CA" dirty="0"/>
             </a:br>
             <a:r>
-              <a:rPr lang="en-CA" sz="2000" dirty="0" smtClean="0"/>
+              <a:rPr lang="en-CA" sz="2000" dirty="0"/>
               <a:t>Stat 444 Final Project Presentation</a:t>
             </a:r>
-            <a:endParaRPr lang="en-CA" sz="2000" dirty="0"/>
           </a:p>
         </p:txBody>
       </p:sp>
@@ -6085,55 +6083,51 @@
           <a:p>
             <a:pPr algn="r"/>
             <a:r>
-              <a:rPr lang="en-CA" dirty="0" smtClean="0"/>
+              <a:rPr lang="en-CA" dirty="0"/>
               <a:t>Team </a:t>
             </a:r>
             <a:r>
-              <a:rPr lang="en-CA" dirty="0" err="1" smtClean="0"/>
+              <a:rPr lang="en-CA" dirty="0" err="1"/>
               <a:t>Uwaterloo</a:t>
             </a:r>
-            <a:endParaRPr lang="en-CA" dirty="0" smtClean="0"/>
+            <a:endParaRPr lang="en-CA" dirty="0"/>
           </a:p>
           <a:p>
             <a:pPr algn="r"/>
             <a:r>
-              <a:rPr lang="en-CA" dirty="0" smtClean="0"/>
+              <a:rPr lang="en-CA" dirty="0"/>
               <a:t>Zizhou </a:t>
             </a:r>
             <a:r>
-              <a:rPr lang="en-CA" dirty="0" err="1" smtClean="0"/>
+              <a:rPr lang="en-CA" dirty="0" err="1"/>
               <a:t>wang</a:t>
             </a:r>
             <a:r>
-              <a:rPr lang="en-CA" dirty="0" smtClean="0"/>
+              <a:rPr lang="en-CA" dirty="0"/>
               <a:t> \ </a:t>
             </a:r>
             <a:r>
-              <a:rPr lang="en-US" altLang="zh-CN" dirty="0" err="1" smtClean="0"/>
+              <a:rPr lang="en-US" altLang="zh-CN" dirty="0" err="1"/>
               <a:t>minghao</a:t>
             </a:r>
             <a:r>
-              <a:rPr lang="en-US" altLang="zh-CN" dirty="0" smtClean="0"/>
+              <a:rPr lang="en-US" altLang="zh-CN" dirty="0"/>
+              <a:t> Lu \ </a:t>
+            </a:r>
+            <a:r>
+              <a:rPr lang="en-US" altLang="zh-CN" dirty="0" err="1"/>
+              <a:t>Zhaoyang</a:t>
+            </a:r>
+            <a:r>
+              <a:rPr lang="en-US" altLang="zh-CN" dirty="0"/>
               <a:t> </a:t>
             </a:r>
             <a:r>
-              <a:rPr lang="en-US" altLang="zh-CN" dirty="0" smtClean="0"/>
-              <a:t>Lu \ </a:t>
-            </a:r>
-            <a:r>
-              <a:rPr lang="en-US" altLang="zh-CN" dirty="0" err="1" smtClean="0"/>
-              <a:t>Zhaoyang</a:t>
-            </a:r>
-            <a:r>
-              <a:rPr lang="en-US" altLang="zh-CN" dirty="0" smtClean="0"/>
-              <a:t> </a:t>
-            </a:r>
-            <a:r>
-              <a:rPr lang="en-US" altLang="zh-CN" dirty="0" err="1" smtClean="0"/>
+              <a:rPr lang="en-US" altLang="zh-CN" dirty="0" err="1"/>
               <a:t>wang</a:t>
             </a:r>
             <a:r>
-              <a:rPr lang="en-US" altLang="zh-CN" dirty="0" smtClean="0"/>
+              <a:rPr lang="en-US" altLang="zh-CN" dirty="0"/>
               <a:t> </a:t>
             </a:r>
             <a:endParaRPr lang="en-CA" dirty="0"/>
@@ -6372,7 +6366,9 @@
         </p:nvSpPr>
         <p:spPr/>
         <p:txBody>
-          <a:bodyPr/>
+          <a:bodyPr vert="horz" lIns="0" tIns="45720" rIns="0" bIns="45720" rtlCol="0" anchor="t">
+            <a:normAutofit/>
+          </a:bodyPr>
           <a:lstStyle/>
           <a:p>
             <a:pPr>
@@ -6381,21 +6377,8 @@
             </a:pPr>
             <a:r>
               <a:rPr lang="en-CA" dirty="0"/>
-              <a:t> We then used the Gradient Boosting method to determine the importance of </a:t>
-            </a:r>
-            <a:r>
-              <a:rPr lang="en-CA" dirty="0" smtClean="0"/>
-              <a:t>explanatory </a:t>
-            </a:r>
-            <a:r>
-              <a:rPr lang="en-CA" dirty="0" err="1" smtClean="0"/>
-              <a:t>variates</a:t>
-            </a:r>
-            <a:r>
-              <a:rPr lang="en-CA" dirty="0"/>
-              <a:t>, and see if it shows a different result compared to Random Forest.</a:t>
-            </a:r>
-            <a:endParaRPr lang="en-CA" dirty="0" smtClean="0"/>
+              <a:t> We then used the Gradient Boosting method to determine the importance of explanatory variates, and see if it shows a different result compared to Random Forest.</a:t>
+            </a:r>
           </a:p>
           <a:p>
             <a:pPr>
@@ -6403,28 +6386,22 @@
               <a:buChar char="Ø"/>
             </a:pPr>
             <a:r>
-              <a:rPr lang="en-CA" dirty="0" smtClean="0"/>
+              <a:rPr lang="en-CA" dirty="0"/>
               <a:t> Explanatory variables used:</a:t>
             </a:r>
           </a:p>
           <a:p>
-            <a:pPr lvl="1">
+            <a:pPr marL="383540" lvl="1">
               <a:buFont typeface="Arial" panose="020B0604020202020204" pitchFamily="34" charset="0"/>
               <a:buChar char="•"/>
             </a:pPr>
             <a:r>
-              <a:rPr lang="en-CA" dirty="0" smtClean="0"/>
-              <a:t>PTS</a:t>
-            </a:r>
-            <a:r>
               <a:rPr lang="en-CA" dirty="0"/>
-              <a:t>, REB, AST, TOV, STL, BLK, Team, WR, AGE, FGM, FGPER, TPM, TPPER, FTM, FTPER, PF, PLUSMINUS, Position, Country, MIN, and </a:t>
-            </a:r>
-            <a:r>
-              <a:rPr lang="en-CA" dirty="0" err="1"/>
-              <a:t>Draft.Round</a:t>
-            </a:r>
-            <a:endParaRPr lang="en-CA" dirty="0"/>
+              <a:t>PTS, REB, AST, TOV, STL, BLK, Team, WR, AGE, FGM, FGPER, TPM, TPPER, FTM, FTPER, PF, PLUSMINUS, Position, Country, MIN, and Draft Round</a:t>
+            </a:r>
+            <a:endParaRPr lang="en-CA" dirty="0">
+              <a:cs typeface="Calibri"/>
+            </a:endParaRPr>
           </a:p>
         </p:txBody>
       </p:sp>
@@ -6698,10 +6675,9 @@
           <a:lstStyle/>
           <a:p>
             <a:r>
-              <a:rPr lang="en-CA" dirty="0" smtClean="0"/>
+              <a:rPr lang="en-CA" dirty="0"/>
               <a:t>Boosting (cont.)</a:t>
             </a:r>
-            <a:endParaRPr lang="en-CA" dirty="0"/>
           </a:p>
         </p:txBody>
       </p:sp>
@@ -6725,7 +6701,7 @@
               <a:buChar char="Ø"/>
             </a:pPr>
             <a:r>
-              <a:rPr lang="en-CA" dirty="0" smtClean="0"/>
+              <a:rPr lang="en-CA" dirty="0"/>
               <a:t> Player self-evaluation and self-improvement in order to receive a higher pay.</a:t>
             </a:r>
           </a:p>
@@ -6736,11 +6712,7 @@
             </a:pPr>
             <a:r>
               <a:rPr lang="en-CA" dirty="0"/>
-              <a:t> </a:t>
-            </a:r>
-            <a:r>
-              <a:rPr lang="en-CA" dirty="0" smtClean="0"/>
-              <a:t>Removed variables cannot be controlled by players</a:t>
+              <a:t> Removed variables cannot be controlled by players</a:t>
             </a:r>
           </a:p>
           <a:p>
@@ -6749,7 +6721,7 @@
               <a:buChar char="•"/>
             </a:pPr>
             <a:r>
-              <a:rPr lang="en-CA" dirty="0" smtClean="0"/>
+              <a:rPr lang="en-CA" dirty="0"/>
               <a:t>Team</a:t>
             </a:r>
           </a:p>
@@ -6759,7 +6731,7 @@
               <a:buChar char="•"/>
             </a:pPr>
             <a:r>
-              <a:rPr lang="en-CA" dirty="0" smtClean="0"/>
+              <a:rPr lang="en-CA" dirty="0"/>
               <a:t>MIN</a:t>
             </a:r>
           </a:p>
@@ -6769,7 +6741,7 @@
               <a:buChar char="•"/>
             </a:pPr>
             <a:r>
-              <a:rPr lang="en-CA" dirty="0" smtClean="0"/>
+              <a:rPr lang="en-CA" dirty="0"/>
               <a:t>WR</a:t>
             </a:r>
           </a:p>
@@ -6779,7 +6751,7 @@
               <a:buChar char="•"/>
             </a:pPr>
             <a:r>
-              <a:rPr lang="en-CA" dirty="0" smtClean="0"/>
+              <a:rPr lang="en-CA" dirty="0"/>
               <a:t>AGE</a:t>
             </a:r>
           </a:p>
@@ -6789,7 +6761,7 @@
               <a:buChar char="•"/>
             </a:pPr>
             <a:r>
-              <a:rPr lang="en-CA" dirty="0" err="1" smtClean="0"/>
+              <a:rPr lang="en-CA" dirty="0" err="1"/>
               <a:t>Draft.Round</a:t>
             </a:r>
             <a:endParaRPr lang="en-CA" dirty="0"/>
@@ -6800,10 +6772,9 @@
               <a:buChar char="•"/>
             </a:pPr>
             <a:r>
-              <a:rPr lang="en-CA" dirty="0" smtClean="0"/>
+              <a:rPr lang="en-CA" dirty="0"/>
               <a:t>PLUSMINUS</a:t>
             </a:r>
-            <a:endParaRPr lang="en-CA" dirty="0"/>
           </a:p>
           <a:p>
             <a:pPr>
@@ -6926,10 +6897,9 @@
           <a:lstStyle/>
           <a:p>
             <a:r>
-              <a:rPr lang="en-CA" dirty="0" smtClean="0"/>
+              <a:rPr lang="en-CA" dirty="0"/>
               <a:t>Introduction</a:t>
             </a:r>
-            <a:endParaRPr lang="en-CA" dirty="0"/>
           </a:p>
         </p:txBody>
       </p:sp>
@@ -6953,7 +6923,7 @@
               <a:buChar char="Ø"/>
             </a:pPr>
             <a:r>
-              <a:rPr lang="en-CA" dirty="0" smtClean="0"/>
+              <a:rPr lang="en-CA" dirty="0"/>
               <a:t> Why?</a:t>
             </a:r>
           </a:p>
@@ -6963,7 +6933,7 @@
               <a:buChar char="Ø"/>
             </a:pPr>
             <a:r>
-              <a:rPr lang="en-CA" dirty="0" smtClean="0"/>
+              <a:rPr lang="en-CA" dirty="0"/>
               <a:t> Dataset</a:t>
             </a:r>
           </a:p>
@@ -6973,7 +6943,7 @@
               <a:buChar char="•"/>
             </a:pPr>
             <a:r>
-              <a:rPr lang="en-CA" dirty="0" smtClean="0"/>
+              <a:rPr lang="en-CA" dirty="0"/>
               <a:t> </a:t>
             </a:r>
             <a:r>
@@ -7023,7 +6993,7 @@
               <a:buChar char="Ø"/>
             </a:pPr>
             <a:r>
-              <a:rPr lang="en-CA" dirty="0" smtClean="0"/>
+              <a:rPr lang="en-CA" dirty="0"/>
               <a:t> Preprocessing</a:t>
             </a:r>
           </a:p>
@@ -7033,7 +7003,7 @@
               <a:buChar char="•"/>
             </a:pPr>
             <a:r>
-              <a:rPr lang="en-CA" dirty="0" smtClean="0">
+              <a:rPr lang="en-CA" dirty="0">
                 <a:solidFill>
                   <a:schemeClr val="tx1"/>
                 </a:solidFill>
@@ -7047,7 +7017,7 @@
               <a:buChar char="•"/>
             </a:pPr>
             <a:r>
-              <a:rPr lang="en-CA" dirty="0" smtClean="0">
+              <a:rPr lang="en-CA" dirty="0">
                 <a:solidFill>
                   <a:schemeClr val="tx1"/>
                 </a:solidFill>
@@ -7061,7 +7031,7 @@
               <a:buChar char="•"/>
             </a:pPr>
             <a:r>
-              <a:rPr lang="en-CA" dirty="0" smtClean="0">
+              <a:rPr lang="en-CA" dirty="0">
                 <a:solidFill>
                   <a:schemeClr val="tx1"/>
                 </a:solidFill>
@@ -7075,21 +7045,21 @@
               <a:buChar char="•"/>
             </a:pPr>
             <a:r>
-              <a:rPr lang="en-CA" dirty="0" smtClean="0">
+              <a:rPr lang="en-CA" dirty="0">
                 <a:solidFill>
                   <a:schemeClr val="tx1"/>
                 </a:solidFill>
               </a:rPr>
               <a:t>Win Rate</a:t>
             </a:r>
-            <a:endParaRPr lang="en-CA" dirty="0" smtClean="0"/>
+            <a:endParaRPr lang="en-CA" dirty="0"/>
           </a:p>
           <a:p>
             <a:pPr lvl="1">
               <a:buFont typeface="Arial" panose="020B0604020202020204" pitchFamily="34" charset="0"/>
               <a:buChar char="•"/>
             </a:pPr>
-            <a:endParaRPr lang="en-CA" dirty="0" smtClean="0"/>
+            <a:endParaRPr lang="en-CA" dirty="0"/>
           </a:p>
         </p:txBody>
       </p:sp>
@@ -7307,10 +7277,9 @@
           <a:lstStyle/>
           <a:p>
             <a:r>
-              <a:rPr lang="en-CA" dirty="0" smtClean="0"/>
+              <a:rPr lang="en-CA" dirty="0"/>
               <a:t>Conclusion</a:t>
             </a:r>
-            <a:endParaRPr lang="en-CA" dirty="0"/>
           </a:p>
         </p:txBody>
       </p:sp>
@@ -7326,7 +7295,9 @@
         </p:nvSpPr>
         <p:spPr/>
         <p:txBody>
-          <a:bodyPr/>
+          <a:bodyPr vert="horz" lIns="0" tIns="45720" rIns="0" bIns="45720" rtlCol="0" anchor="t">
+            <a:normAutofit/>
+          </a:bodyPr>
           <a:lstStyle/>
           <a:p>
             <a:pPr>
@@ -7335,13 +7306,45 @@
             </a:pPr>
             <a:r>
               <a:rPr lang="en-CA" dirty="0"/>
-              <a:t> </a:t>
-            </a:r>
-            <a:r>
-              <a:rPr lang="en-CA" dirty="0" smtClean="0"/>
-              <a:t>Which method is better?</a:t>
-            </a:r>
-            <a:endParaRPr lang="en-CA" dirty="0"/>
+              <a:t> Which method is better?</a:t>
+            </a:r>
+            <a:endParaRPr lang="en-US" dirty="0"/>
+          </a:p>
+          <a:p>
+            <a:pPr marL="383540" lvl="1">
+              <a:buFont typeface="Wingdings" panose="05000000000000000000" pitchFamily="2" charset="2"/>
+              <a:buChar char="Ø"/>
+            </a:pPr>
+            <a:r>
+              <a:rPr lang="en-CA" dirty="0">
+                <a:cs typeface="Calibri"/>
+              </a:rPr>
+              <a:t>We tested the APSE of the three models with 5-fold CV</a:t>
+            </a:r>
+          </a:p>
+          <a:p>
+            <a:pPr marL="383540" lvl="1">
+              <a:buFont typeface="Wingdings" panose="05000000000000000000" pitchFamily="2" charset="2"/>
+              <a:buChar char="Ø"/>
+            </a:pPr>
+            <a:r>
+              <a:rPr lang="en-CA" dirty="0">
+                <a:cs typeface="Calibri"/>
+              </a:rPr>
+              <a:t>GAM with thin plate splines had the lowest APSE of 0.96</a:t>
+            </a:r>
+          </a:p>
+          <a:p>
+            <a:pPr marL="383540" lvl="1">
+              <a:buFont typeface="Wingdings" panose="05000000000000000000" pitchFamily="2" charset="2"/>
+              <a:buChar char="Ø"/>
+            </a:pPr>
+            <a:r>
+              <a:rPr lang="en-CA" dirty="0">
+                <a:cs typeface="Calibri"/>
+              </a:rPr>
+              <a:t> Splines was also the fastest to compute out of the three</a:t>
+            </a:r>
           </a:p>
         </p:txBody>
       </p:sp>
@@ -7391,10 +7394,9 @@
           <a:lstStyle/>
           <a:p>
             <a:r>
-              <a:rPr lang="en-CA" dirty="0" smtClean="0"/>
+              <a:rPr lang="en-CA" dirty="0"/>
               <a:t>Conclusion (cont.)</a:t>
             </a:r>
-            <a:endParaRPr lang="en-CA" dirty="0"/>
           </a:p>
         </p:txBody>
       </p:sp>
@@ -7410,7 +7412,9 @@
         </p:nvSpPr>
         <p:spPr/>
         <p:txBody>
-          <a:bodyPr/>
+          <a:bodyPr vert="horz" lIns="0" tIns="45720" rIns="0" bIns="45720" rtlCol="0" anchor="t">
+            <a:normAutofit/>
+          </a:bodyPr>
           <a:lstStyle/>
           <a:p>
             <a:pPr>
@@ -7418,30 +7422,85 @@
               <a:buChar char="Ø"/>
             </a:pPr>
             <a:r>
-              <a:rPr lang="en-CA" dirty="0"/>
-              <a:t> </a:t>
-            </a:r>
-            <a:r>
-              <a:rPr lang="en-CA" dirty="0" smtClean="0"/>
-              <a:t>blah </a:t>
-            </a:r>
-            <a:r>
-              <a:rPr lang="en-CA" dirty="0" err="1" smtClean="0"/>
-              <a:t>blah</a:t>
-            </a:r>
-            <a:r>
-              <a:rPr lang="en-CA" dirty="0" smtClean="0"/>
-              <a:t> </a:t>
-            </a:r>
-            <a:r>
-              <a:rPr lang="en-CA" dirty="0" err="1" smtClean="0"/>
-              <a:t>blah</a:t>
-            </a:r>
-            <a:r>
-              <a:rPr lang="en-CA" dirty="0" smtClean="0"/>
-              <a:t>?</a:t>
-            </a:r>
-            <a:endParaRPr lang="en-CA" dirty="0"/>
+              <a:rPr lang="en-CA" dirty="0">
+                <a:cs typeface="Calibri"/>
+              </a:rPr>
+              <a:t> There are very significant factors( e.g. age ) what are outside of players control</a:t>
+            </a:r>
+          </a:p>
+          <a:p>
+            <a:pPr>
+              <a:buFont typeface="Wingdings" panose="05000000000000000000" pitchFamily="2" charset="2"/>
+              <a:buChar char="Ø"/>
+            </a:pPr>
+            <a:r>
+              <a:rPr lang="en-CA" dirty="0">
+                <a:cs typeface="Calibri"/>
+              </a:rPr>
+              <a:t> Three most important aspect to work on includes</a:t>
+            </a:r>
+          </a:p>
+          <a:p>
+            <a:pPr marL="383540" lvl="1">
+              <a:buFont typeface="Wingdings" panose="05000000000000000000" pitchFamily="2" charset="2"/>
+              <a:buChar char="Ø"/>
+            </a:pPr>
+            <a:r>
+              <a:rPr lang="en-CA" dirty="0">
+                <a:cs typeface="Calibri"/>
+              </a:rPr>
+              <a:t>  Increasing Field Goals</a:t>
+            </a:r>
+          </a:p>
+          <a:p>
+            <a:pPr marL="383540" lvl="1">
+              <a:buFont typeface="Wingdings" panose="05000000000000000000" pitchFamily="2" charset="2"/>
+              <a:buChar char="Ø"/>
+            </a:pPr>
+            <a:r>
+              <a:rPr lang="en-CA" dirty="0">
+                <a:cs typeface="Calibri"/>
+              </a:rPr>
+              <a:t> Reducing Turnovers</a:t>
+            </a:r>
+          </a:p>
+          <a:p>
+            <a:pPr marL="383540" lvl="1">
+              <a:buFont typeface="Wingdings" panose="05000000000000000000" pitchFamily="2" charset="2"/>
+              <a:buChar char="Ø"/>
+            </a:pPr>
+            <a:r>
+              <a:rPr lang="en-CA" dirty="0">
+                <a:cs typeface="Calibri"/>
+              </a:rPr>
+              <a:t> Increasing Rebound</a:t>
+            </a:r>
+          </a:p>
+          <a:p>
+            <a:pPr marL="383540" lvl="1">
+              <a:buFont typeface="Wingdings" panose="05000000000000000000" pitchFamily="2" charset="2"/>
+              <a:buChar char="Ø"/>
+            </a:pPr>
+            <a:endParaRPr lang="en-CA" dirty="0">
+              <a:cs typeface="Calibri"/>
+            </a:endParaRPr>
+          </a:p>
+          <a:p>
+            <a:pPr marL="383540" lvl="1">
+              <a:buFont typeface="Wingdings" panose="05000000000000000000" pitchFamily="2" charset="2"/>
+              <a:buChar char="Ø"/>
+            </a:pPr>
+            <a:endParaRPr lang="en-CA" dirty="0">
+              <a:cs typeface="Calibri"/>
+            </a:endParaRPr>
+          </a:p>
+          <a:p>
+            <a:pPr marL="200660" lvl="1" indent="0">
+              <a:buNone/>
+            </a:pPr>
+            <a:endParaRPr lang="en-CA" dirty="0">
+              <a:cs typeface="Calibri"/>
+            </a:endParaRPr>
           </a:p>
         </p:txBody>
       </p:sp>
@@ -7491,10 +7550,9 @@
           <a:lstStyle/>
           <a:p>
             <a:r>
-              <a:rPr lang="en-CA" dirty="0" smtClean="0"/>
+              <a:rPr lang="en-CA" dirty="0"/>
               <a:t>Future Work</a:t>
             </a:r>
-            <a:endParaRPr lang="en-CA" dirty="0"/>
           </a:p>
         </p:txBody>
       </p:sp>
@@ -7519,15 +7577,7 @@
             </a:pPr>
             <a:r>
               <a:rPr lang="en-CA" dirty="0"/>
-              <a:t> </a:t>
-            </a:r>
-            <a:r>
-              <a:rPr lang="en-CA" dirty="0" smtClean="0"/>
-              <a:t>Win share over Plus or </a:t>
-            </a:r>
-            <a:r>
-              <a:rPr lang="en-CA" dirty="0" smtClean="0"/>
-              <a:t>Minus</a:t>
+              <a:t> Win share over Plus or Minus</a:t>
             </a:r>
           </a:p>
           <a:p>
@@ -7536,7 +7586,7 @@
               <a:buChar char="•"/>
             </a:pPr>
             <a:r>
-              <a:rPr lang="en-US" dirty="0" smtClean="0"/>
+              <a:rPr lang="en-US" dirty="0"/>
               <a:t>Plus or Minus heavily relies on teammates</a:t>
             </a:r>
           </a:p>
@@ -7546,16 +7596,8 @@
               <a:buChar char="•"/>
             </a:pPr>
             <a:r>
-              <a:rPr lang="en-US" dirty="0" smtClean="0"/>
-              <a:t>Average </a:t>
-            </a:r>
-            <a:r>
               <a:rPr lang="en-US" dirty="0"/>
-              <a:t>p</a:t>
-            </a:r>
-            <a:r>
-              <a:rPr lang="en-US" dirty="0" smtClean="0"/>
-              <a:t>layers might have high Plus or Minus if their team is winning a lot</a:t>
+              <a:t>Average players might have high Plus or Minus if their team is winning a lot</a:t>
             </a:r>
           </a:p>
           <a:p>
@@ -7564,7 +7606,7 @@
               <a:buChar char="•"/>
             </a:pPr>
             <a:r>
-              <a:rPr lang="en-US" dirty="0" smtClean="0"/>
+              <a:rPr lang="en-US" dirty="0"/>
               <a:t>Win share relies a lot less than other people</a:t>
             </a:r>
             <a:endParaRPr lang="en-CA" dirty="0"/>
@@ -7644,10 +7686,9 @@
           </a:lstStyle>
           <a:p>
             <a:r>
-              <a:rPr lang="en-CA" sz="7000" dirty="0" smtClean="0"/>
+              <a:rPr lang="en-CA" sz="7000" dirty="0"/>
               <a:t>Thank you</a:t>
             </a:r>
-            <a:endParaRPr lang="en-CA" sz="7000" dirty="0"/>
           </a:p>
         </p:txBody>
       </p:sp>
@@ -7697,10 +7738,9 @@
           <a:lstStyle/>
           <a:p>
             <a:r>
-              <a:rPr lang="en-CA" dirty="0" smtClean="0"/>
+              <a:rPr lang="en-CA" dirty="0"/>
               <a:t>Smoothing</a:t>
             </a:r>
-            <a:endParaRPr lang="en-CA" dirty="0"/>
           </a:p>
         </p:txBody>
       </p:sp>
@@ -7716,10 +7756,126 @@
         </p:nvSpPr>
         <p:spPr/>
         <p:txBody>
-          <a:bodyPr/>
-          <a:lstStyle/>
-          <a:p>
-            <a:endParaRPr lang="en-CA"/>
+          <a:bodyPr vert="horz" lIns="0" tIns="45720" rIns="0" bIns="45720" rtlCol="0" anchor="t">
+            <a:normAutofit/>
+          </a:bodyPr>
+          <a:lstStyle/>
+          <a:p>
+            <a:pPr>
+              <a:buFont typeface="Wingdings" panose="020F0502020204030204" pitchFamily="34" charset="0"/>
+              <a:buChar char="§"/>
+            </a:pPr>
+            <a:r>
+              <a:rPr lang="en-CA" dirty="0">
+                <a:cs typeface="Calibri"/>
+              </a:rPr>
+              <a:t> We divided player profile/stats into three categories</a:t>
+            </a:r>
+          </a:p>
+          <a:p>
+            <a:pPr marL="383540" lvl="1">
+              <a:buFont typeface="Wingdings" panose="020F0502020204030204" pitchFamily="34" charset="0"/>
+              <a:buChar char="§"/>
+            </a:pPr>
+            <a:r>
+              <a:rPr lang="en-CA" dirty="0">
+                <a:cs typeface="Calibri"/>
+              </a:rPr>
+              <a:t>Offensive Stats</a:t>
+            </a:r>
+          </a:p>
+          <a:p>
+            <a:pPr marL="383540" lvl="1">
+              <a:buFont typeface="Wingdings" panose="020F0502020204030204" pitchFamily="34" charset="0"/>
+              <a:buChar char="§"/>
+            </a:pPr>
+            <a:r>
+              <a:rPr lang="en-CA" dirty="0">
+                <a:cs typeface="Calibri"/>
+              </a:rPr>
+              <a:t>Defensive Stats</a:t>
+            </a:r>
+          </a:p>
+          <a:p>
+            <a:pPr marL="383540" lvl="1">
+              <a:buFont typeface="Wingdings" panose="020F0502020204030204" pitchFamily="34" charset="0"/>
+              <a:buChar char="§"/>
+            </a:pPr>
+            <a:r>
+              <a:rPr lang="en-CA" dirty="0">
+                <a:cs typeface="Calibri"/>
+              </a:rPr>
+              <a:t>Miscellaneous Variates</a:t>
+            </a:r>
+          </a:p>
+          <a:p>
+            <a:pPr>
+              <a:buFont typeface="Wingdings" panose="020F0502020204030204" pitchFamily="34" charset="0"/>
+              <a:buChar char="§"/>
+            </a:pPr>
+            <a:r>
+              <a:rPr lang="en-CA" dirty="0">
+                <a:cs typeface="Calibri"/>
+              </a:rPr>
+              <a:t> We explored interactions within in each group</a:t>
+            </a:r>
+          </a:p>
+          <a:p>
+            <a:pPr marL="383540" lvl="1">
+              <a:buFont typeface="Wingdings" panose="020F0502020204030204" pitchFamily="34" charset="0"/>
+              <a:buChar char="§"/>
+            </a:pPr>
+            <a:r>
+              <a:rPr lang="en-CA" dirty="0">
+                <a:cs typeface="Calibri"/>
+              </a:rPr>
+              <a:t>Offensive and defensive abilities are suspected to be independent</a:t>
+            </a:r>
+            <a:endParaRPr lang="en-CA" dirty="0">
+              <a:solidFill>
+                <a:schemeClr val="tx1"/>
+              </a:solidFill>
+              <a:cs typeface="Calibri"/>
+            </a:endParaRPr>
+          </a:p>
+          <a:p>
+            <a:pPr marL="383540" lvl="1">
+              <a:buFont typeface="Wingdings" panose="020F0502020204030204" pitchFamily="34" charset="0"/>
+              <a:buChar char="§"/>
+            </a:pPr>
+            <a:r>
+              <a:rPr lang="en-CA" dirty="0">
+                <a:cs typeface="Calibri"/>
+              </a:rPr>
+              <a:t>Some miscellaneous variates were also tested with the other two groups ( e.g. Minutes, Position )</a:t>
+            </a:r>
+          </a:p>
+          <a:p>
+            <a:pPr>
+              <a:buFont typeface="Wingdings" panose="020F0502020204030204" pitchFamily="34" charset="0"/>
+              <a:buChar char="§"/>
+            </a:pPr>
+            <a:r>
+              <a:rPr lang="en-CA" dirty="0">
+                <a:cs typeface="Calibri"/>
+              </a:rPr>
+              <a:t> We created a final model with by combining the models we fitted for each group</a:t>
+            </a:r>
+          </a:p>
+          <a:p>
+            <a:pPr marL="383540" lvl="1">
+              <a:spcBef>
+                <a:spcPts val="1200"/>
+              </a:spcBef>
+              <a:spcAft>
+                <a:spcPts val="200"/>
+              </a:spcAft>
+              <a:buFont typeface="Wingdings" panose="020F0502020204030204" pitchFamily="34" charset="0"/>
+              <a:buChar char="§"/>
+            </a:pPr>
+            <a:endParaRPr lang="en-CA" dirty="0">
+              <a:cs typeface="Calibri"/>
+            </a:endParaRPr>
           </a:p>
         </p:txBody>
       </p:sp>
@@ -7769,10 +7925,9 @@
           <a:lstStyle/>
           <a:p>
             <a:r>
-              <a:rPr lang="en-CA" dirty="0" smtClean="0"/>
+              <a:rPr lang="en-CA" dirty="0"/>
               <a:t>Random Forest</a:t>
             </a:r>
-            <a:endParaRPr lang="en-CA" dirty="0"/>
           </a:p>
         </p:txBody>
       </p:sp>
@@ -7788,7 +7943,9 @@
         </p:nvSpPr>
         <p:spPr/>
         <p:txBody>
-          <a:bodyPr/>
+          <a:bodyPr vert="horz" lIns="0" tIns="45720" rIns="0" bIns="45720" rtlCol="0" anchor="t">
+            <a:normAutofit/>
+          </a:bodyPr>
           <a:lstStyle/>
           <a:p>
             <a:pPr>
@@ -7797,15 +7954,7 @@
             </a:pPr>
             <a:r>
               <a:rPr lang="en-CA" dirty="0"/>
-              <a:t> We would like to utilize random forest to determine the importance of explanatory </a:t>
-            </a:r>
-            <a:r>
-              <a:rPr lang="en-CA" dirty="0" err="1"/>
-              <a:t>variates</a:t>
-            </a:r>
-            <a:r>
-              <a:rPr lang="en-CA" dirty="0" smtClean="0"/>
-              <a:t>.</a:t>
+              <a:t> We would like to utilize random forest to determine the importance of explanatory variates.</a:t>
             </a:r>
           </a:p>
           <a:p>
@@ -7815,27 +7964,21 @@
             </a:pPr>
             <a:r>
               <a:rPr lang="en-CA" dirty="0"/>
-              <a:t> </a:t>
-            </a:r>
-            <a:r>
-              <a:rPr lang="en-CA" dirty="0" smtClean="0"/>
-              <a:t>Explanatory variables used:</a:t>
-            </a:r>
-          </a:p>
-          <a:p>
-            <a:pPr lvl="1">
+              <a:t> Explanatory variables used:</a:t>
+            </a:r>
+          </a:p>
+          <a:p>
+            <a:pPr marL="383540" lvl="1">
               <a:buFont typeface="Arial" panose="020B0604020202020204" pitchFamily="34" charset="0"/>
               <a:buChar char="•"/>
             </a:pPr>
             <a:r>
               <a:rPr lang="en-CA" dirty="0"/>
-              <a:t>PTS, REB, AST, TOV, STL, BLK, Team, WR, AGE, FGM, FGPER, TPM, TPPER, FTM, FTPER, PF, PLUSMINUS, Position, Country, MIN, and </a:t>
-            </a:r>
-            <a:r>
-              <a:rPr lang="en-CA" dirty="0" err="1"/>
-              <a:t>Draft.Round</a:t>
-            </a:r>
-            <a:endParaRPr lang="en-CA" dirty="0"/>
+              <a:t>PTS, REB, AST, TOV, STL, BLK, Team, WR, AGE, FGM, FGPER, TPM, TPPER, FTM, FTPER, PF, PLUSMINUS, Position, Country, MIN, and Draft Round</a:t>
+            </a:r>
+            <a:endParaRPr lang="en-CA" dirty="0">
+              <a:cs typeface="Calibri"/>
+            </a:endParaRPr>
           </a:p>
         </p:txBody>
       </p:sp>
@@ -8109,10 +8252,9 @@
           <a:lstStyle/>
           <a:p>
             <a:r>
-              <a:rPr lang="en-CA" dirty="0" smtClean="0"/>
+              <a:rPr lang="en-CA" dirty="0"/>
               <a:t>Random Forest (cont.)</a:t>
             </a:r>
-            <a:endParaRPr lang="en-CA" dirty="0"/>
           </a:p>
         </p:txBody>
       </p:sp>
@@ -8128,7 +8270,9 @@
         </p:nvSpPr>
         <p:spPr/>
         <p:txBody>
-          <a:bodyPr/>
+          <a:bodyPr vert="horz" lIns="0" tIns="45720" rIns="0" bIns="45720" rtlCol="0" anchor="t">
+            <a:normAutofit/>
+          </a:bodyPr>
           <a:lstStyle/>
           <a:p>
             <a:pPr>
@@ -8136,7 +8280,7 @@
               <a:buChar char="Ø"/>
             </a:pPr>
             <a:r>
-              <a:rPr lang="en-CA" dirty="0" smtClean="0"/>
+              <a:rPr lang="en-CA" dirty="0"/>
               <a:t> Player self-evaluation and self-improvement in order to receive a higher pay.</a:t>
             </a:r>
           </a:p>
@@ -8147,74 +8291,86 @@
             </a:pPr>
             <a:r>
               <a:rPr lang="en-CA" dirty="0"/>
-              <a:t> </a:t>
-            </a:r>
-            <a:r>
-              <a:rPr lang="en-CA" dirty="0" smtClean="0"/>
-              <a:t>Removed variables cannot be controlled by players</a:t>
-            </a:r>
-          </a:p>
-          <a:p>
-            <a:pPr lvl="1">
+              <a:t> Removed variables cannot be controlled by players</a:t>
+            </a:r>
+          </a:p>
+          <a:p>
+            <a:pPr marL="383540" lvl="1">
               <a:buFont typeface="Arial" panose="020B0604020202020204" pitchFamily="34" charset="0"/>
               <a:buChar char="•"/>
             </a:pPr>
             <a:r>
-              <a:rPr lang="en-CA" dirty="0" smtClean="0"/>
+              <a:rPr lang="en-CA" dirty="0"/>
               <a:t>Team</a:t>
             </a:r>
-          </a:p>
-          <a:p>
-            <a:pPr lvl="1">
+            <a:endParaRPr lang="en-CA" dirty="0">
+              <a:cs typeface="Calibri"/>
+            </a:endParaRPr>
+          </a:p>
+          <a:p>
+            <a:pPr marL="383540" lvl="1">
               <a:buFont typeface="Arial" panose="020B0604020202020204" pitchFamily="34" charset="0"/>
               <a:buChar char="•"/>
             </a:pPr>
             <a:r>
-              <a:rPr lang="en-CA" dirty="0" smtClean="0"/>
+              <a:rPr lang="en-CA" dirty="0"/>
               <a:t>MIN</a:t>
             </a:r>
-          </a:p>
-          <a:p>
-            <a:pPr lvl="1">
+            <a:endParaRPr lang="en-CA" dirty="0">
+              <a:cs typeface="Calibri"/>
+            </a:endParaRPr>
+          </a:p>
+          <a:p>
+            <a:pPr marL="383540" lvl="1">
               <a:buFont typeface="Arial" panose="020B0604020202020204" pitchFamily="34" charset="0"/>
               <a:buChar char="•"/>
             </a:pPr>
             <a:r>
-              <a:rPr lang="en-CA" dirty="0" smtClean="0"/>
-              <a:t>WR</a:t>
-            </a:r>
-          </a:p>
-          <a:p>
-            <a:pPr lvl="1">
+              <a:rPr lang="en-CA" dirty="0"/>
+              <a:t>Win Rate</a:t>
+            </a:r>
+            <a:endParaRPr lang="en-CA" dirty="0">
+              <a:cs typeface="Calibri"/>
+            </a:endParaRPr>
+          </a:p>
+          <a:p>
+            <a:pPr marL="383540" lvl="1">
               <a:buFont typeface="Arial" panose="020B0604020202020204" pitchFamily="34" charset="0"/>
               <a:buChar char="•"/>
             </a:pPr>
             <a:r>
-              <a:rPr lang="en-CA" dirty="0" smtClean="0"/>
+              <a:rPr lang="en-CA" dirty="0"/>
               <a:t>AGE</a:t>
             </a:r>
-          </a:p>
-          <a:p>
-            <a:pPr lvl="1">
+            <a:endParaRPr lang="en-CA" dirty="0">
+              <a:cs typeface="Calibri"/>
+            </a:endParaRPr>
+          </a:p>
+          <a:p>
+            <a:pPr marL="383540" lvl="1">
               <a:buFont typeface="Arial" panose="020B0604020202020204" pitchFamily="34" charset="0"/>
               <a:buChar char="•"/>
             </a:pPr>
             <a:r>
-              <a:rPr lang="en-CA" dirty="0" err="1" smtClean="0"/>
-              <a:t>Draft.Round</a:t>
-            </a:r>
-            <a:endParaRPr lang="en-CA" dirty="0"/>
-          </a:p>
-          <a:p>
-            <a:pPr lvl="1">
+              <a:rPr lang="en-CA" dirty="0"/>
+              <a:t>Draft Round</a:t>
+            </a:r>
+            <a:endParaRPr lang="en-CA" dirty="0">
+              <a:cs typeface="Calibri"/>
+            </a:endParaRPr>
+          </a:p>
+          <a:p>
+            <a:pPr marL="383540" lvl="1">
               <a:buFont typeface="Arial" panose="020B0604020202020204" pitchFamily="34" charset="0"/>
               <a:buChar char="•"/>
             </a:pPr>
             <a:r>
-              <a:rPr lang="en-CA" dirty="0" smtClean="0"/>
+              <a:rPr lang="en-CA" dirty="0"/>
               <a:t>PLUSMINUS</a:t>
             </a:r>
-            <a:endParaRPr lang="en-CA" dirty="0"/>
+            <a:endParaRPr lang="en-CA" dirty="0">
+              <a:cs typeface="Calibri"/>
+            </a:endParaRPr>
           </a:p>
           <a:p>
             <a:pPr>
@@ -8227,11 +8383,13 @@
             </a:r>
           </a:p>
           <a:p>
-            <a:pPr lvl="1">
+            <a:pPr marL="383540" lvl="1">
               <a:buFont typeface="Arial" panose="020B0604020202020204" pitchFamily="34" charset="0"/>
               <a:buChar char="•"/>
             </a:pPr>
-            <a:endParaRPr lang="en-CA" dirty="0"/>
+            <a:endParaRPr lang="en-CA" dirty="0">
+              <a:cs typeface="Calibri"/>
+            </a:endParaRPr>
           </a:p>
         </p:txBody>
       </p:sp>

--- a/presentation.pptx
+++ b/presentation.pptx
@@ -5,7 +5,7 @@
     <p:sldMasterId id="2147483660" r:id="rId1"/>
   </p:sldMasterIdLst>
   <p:notesMasterIdLst>
-    <p:notesMasterId r:id="rId28"/>
+    <p:notesMasterId r:id="rId27"/>
   </p:notesMasterIdLst>
   <p:sldIdLst>
     <p:sldId id="256" r:id="rId2"/>
@@ -27,13 +27,12 @@
     <p:sldId id="274" r:id="rId18"/>
     <p:sldId id="276" r:id="rId19"/>
     <p:sldId id="275" r:id="rId20"/>
-    <p:sldId id="277" r:id="rId21"/>
-    <p:sldId id="278" r:id="rId22"/>
-    <p:sldId id="279" r:id="rId23"/>
-    <p:sldId id="280" r:id="rId24"/>
-    <p:sldId id="281" r:id="rId25"/>
-    <p:sldId id="282" r:id="rId26"/>
-    <p:sldId id="284" r:id="rId27"/>
+    <p:sldId id="278" r:id="rId21"/>
+    <p:sldId id="279" r:id="rId22"/>
+    <p:sldId id="280" r:id="rId23"/>
+    <p:sldId id="281" r:id="rId24"/>
+    <p:sldId id="282" r:id="rId25"/>
+    <p:sldId id="284" r:id="rId26"/>
   </p:sldIdLst>
   <p:sldSz cx="12192000" cy="6858000"/>
   <p:notesSz cx="6858000" cy="9144000"/>
@@ -138,6 +137,10 @@
     </p:ext>
   </p:extLst>
 </p:presentation>
+</file>
+
+<file path=ppt/revisionInfo.xml><?xml version="1.0" encoding="utf-8"?>
+<p1510:revInfo xmlns:a="http://schemas.openxmlformats.org/drawingml/2006/main" xmlns:r="http://schemas.openxmlformats.org/officeDocument/2006/relationships" xmlns:p1510="http://schemas.microsoft.com/office/powerpoint/2015/10/main"/>
 </file>
 
 <file path=ppt/notesMasters/notesMaster1.xml><?xml version="1.0" encoding="utf-8"?>
@@ -1188,6 +1191,37 @@
           <a:bodyPr/>
           <a:lstStyle/>
           <a:p>
+            <a:pPr marL="0" marR="0" indent="0" algn="l" defTabSz="914400" rtl="0" eaLnBrk="1" fontAlgn="auto" latinLnBrk="0" hangingPunct="1">
+              <a:lnSpc>
+                <a:spcPct val="100000"/>
+              </a:lnSpc>
+              <a:spcBef>
+                <a:spcPts val="0"/>
+              </a:spcBef>
+              <a:spcAft>
+                <a:spcPts val="0"/>
+              </a:spcAft>
+              <a:buClrTx/>
+              <a:buSzTx/>
+              <a:buFontTx/>
+              <a:buNone/>
+              <a:tabLst/>
+              <a:defRPr/>
+            </a:pPr>
+            <a:r>
+              <a:rPr lang="en-CA" dirty="0"/>
+              <a:t>We see that the best learning rate for these 15 explanatory </a:t>
+            </a:r>
+            <a:r>
+              <a:rPr lang="en-CA" dirty="0" err="1"/>
+              <a:t>variates</a:t>
+            </a:r>
+            <a:r>
+              <a:rPr lang="en-CA" dirty="0"/>
+              <a:t> is at around 0.06 – 0.08, with cv error around 1.66.</a:t>
+            </a:r>
+          </a:p>
+          <a:p>
             <a:endParaRPr lang="en-CA" dirty="0"/>
           </a:p>
         </p:txBody>
@@ -1218,7 +1252,7 @@
     </p:spTree>
     <p:extLst>
       <p:ext uri="{BB962C8B-B14F-4D97-AF65-F5344CB8AC3E}">
-        <p14:creationId xmlns:p14="http://schemas.microsoft.com/office/powerpoint/2010/main" val="3444619015"/>
+        <p14:creationId xmlns:p14="http://schemas.microsoft.com/office/powerpoint/2010/main" val="3925585945"/>
       </p:ext>
     </p:extLst>
   </p:cSld>
@@ -1272,121 +1306,6 @@
           <a:bodyPr/>
           <a:lstStyle/>
           <a:p>
-            <a:pPr marL="0" marR="0" indent="0" algn="l" defTabSz="914400" rtl="0" eaLnBrk="1" fontAlgn="auto" latinLnBrk="0" hangingPunct="1">
-              <a:lnSpc>
-                <a:spcPct val="100000"/>
-              </a:lnSpc>
-              <a:spcBef>
-                <a:spcPts val="0"/>
-              </a:spcBef>
-              <a:spcAft>
-                <a:spcPts val="0"/>
-              </a:spcAft>
-              <a:buClrTx/>
-              <a:buSzTx/>
-              <a:buFontTx/>
-              <a:buNone/>
-              <a:tabLst/>
-              <a:defRPr/>
-            </a:pPr>
-            <a:r>
-              <a:rPr lang="en-CA" dirty="0"/>
-              <a:t>We see that the best learning rate for these 15 explanatory </a:t>
-            </a:r>
-            <a:r>
-              <a:rPr lang="en-CA" dirty="0" err="1"/>
-              <a:t>variates</a:t>
-            </a:r>
-            <a:r>
-              <a:rPr lang="en-CA" dirty="0"/>
-              <a:t> is at around 0.06 – 0.08, with cv error around 1.66.</a:t>
-            </a:r>
-          </a:p>
-          <a:p>
-            <a:endParaRPr lang="en-CA" dirty="0"/>
-          </a:p>
-        </p:txBody>
-      </p:sp>
-      <p:sp>
-        <p:nvSpPr>
-          <p:cNvPr id="4" name="灯片编号占位符 3"/>
-          <p:cNvSpPr>
-            <a:spLocks noGrp="1"/>
-          </p:cNvSpPr>
-          <p:nvPr>
-            <p:ph type="sldNum" sz="quarter" idx="10"/>
-          </p:nvPr>
-        </p:nvSpPr>
-        <p:spPr/>
-        <p:txBody>
-          <a:bodyPr/>
-          <a:lstStyle/>
-          <a:p>
-            <a:fld id="{7DE8CF1B-47E4-456A-92EC-EAEB81C89AE6}" type="slidenum">
-              <a:rPr lang="en-CA" smtClean="0"/>
-              <a:t>21</a:t>
-            </a:fld>
-            <a:endParaRPr lang="en-CA"/>
-          </a:p>
-        </p:txBody>
-      </p:sp>
-    </p:spTree>
-    <p:extLst>
-      <p:ext uri="{BB962C8B-B14F-4D97-AF65-F5344CB8AC3E}">
-        <p14:creationId xmlns:p14="http://schemas.microsoft.com/office/powerpoint/2010/main" val="3925585945"/>
-      </p:ext>
-    </p:extLst>
-  </p:cSld>
-  <p:clrMapOvr>
-    <a:masterClrMapping/>
-  </p:clrMapOvr>
-</p:notes>
-</file>
-
-<file path=ppt/notesSlides/notesSlide16.xml><?xml version="1.0" encoding="utf-8"?>
-<p:notes xmlns:a="http://schemas.openxmlformats.org/drawingml/2006/main" xmlns:r="http://schemas.openxmlformats.org/officeDocument/2006/relationships" xmlns:p="http://schemas.openxmlformats.org/presentationml/2006/main">
-  <p:cSld>
-    <p:spTree>
-      <p:nvGrpSpPr>
-        <p:cNvPr id="1" name=""/>
-        <p:cNvGrpSpPr/>
-        <p:nvPr/>
-      </p:nvGrpSpPr>
-      <p:grpSpPr>
-        <a:xfrm>
-          <a:off x="0" y="0"/>
-          <a:ext cx="0" cy="0"/>
-          <a:chOff x="0" y="0"/>
-          <a:chExt cx="0" cy="0"/>
-        </a:xfrm>
-      </p:grpSpPr>
-      <p:sp>
-        <p:nvSpPr>
-          <p:cNvPr id="2" name="幻灯片图像占位符 1"/>
-          <p:cNvSpPr>
-            <a:spLocks noGrp="1" noRot="1" noChangeAspect="1"/>
-          </p:cNvSpPr>
-          <p:nvPr>
-            <p:ph type="sldImg"/>
-          </p:nvPr>
-        </p:nvSpPr>
-        <p:spPr/>
-      </p:sp>
-      <p:sp>
-        <p:nvSpPr>
-          <p:cNvPr id="3" name="备注占位符 2"/>
-          <p:cNvSpPr>
-            <a:spLocks noGrp="1"/>
-          </p:cNvSpPr>
-          <p:nvPr>
-            <p:ph type="body" idx="1"/>
-          </p:nvPr>
-        </p:nvSpPr>
-        <p:spPr/>
-        <p:txBody>
-          <a:bodyPr/>
-          <a:lstStyle/>
-          <a:p>
             <a:pPr marL="171450" indent="-171450">
               <a:buFontTx/>
               <a:buChar char="-"/>
@@ -1433,7 +1352,7 @@
           <a:p>
             <a:fld id="{7DE8CF1B-47E4-456A-92EC-EAEB81C89AE6}" type="slidenum">
               <a:rPr lang="en-CA" smtClean="0"/>
-              <a:t>22</a:t>
+              <a:t>21</a:t>
             </a:fld>
             <a:endParaRPr lang="en-CA"/>
           </a:p>
@@ -7111,8 +7030,8 @@
         </p:blipFill>
         <p:spPr>
           <a:xfrm>
-            <a:off x="113850" y="484742"/>
-            <a:ext cx="11948249" cy="5111827"/>
+            <a:off x="356372" y="0"/>
+            <a:ext cx="11365021" cy="6180463"/>
           </a:xfrm>
           <a:prstGeom prst="rect">
             <a:avLst/>
@@ -7122,7 +7041,7 @@
     </p:spTree>
     <p:extLst>
       <p:ext uri="{BB962C8B-B14F-4D97-AF65-F5344CB8AC3E}">
-        <p14:creationId xmlns:p14="http://schemas.microsoft.com/office/powerpoint/2010/main" val="2723826869"/>
+        <p14:creationId xmlns:p14="http://schemas.microsoft.com/office/powerpoint/2010/main" val="328298744"/>
       </p:ext>
     </p:extLst>
   </p:cSld>
@@ -7167,8 +7086,8 @@
         </p:blipFill>
         <p:spPr>
           <a:xfrm>
-            <a:off x="356372" y="0"/>
-            <a:ext cx="11365021" cy="6180463"/>
+            <a:off x="446848" y="0"/>
+            <a:ext cx="11319166" cy="6233744"/>
           </a:xfrm>
           <a:prstGeom prst="rect">
             <a:avLst/>
@@ -7178,7 +7097,7 @@
     </p:spTree>
     <p:extLst>
       <p:ext uri="{BB962C8B-B14F-4D97-AF65-F5344CB8AC3E}">
-        <p14:creationId xmlns:p14="http://schemas.microsoft.com/office/powerpoint/2010/main" val="328298744"/>
+        <p14:creationId xmlns:p14="http://schemas.microsoft.com/office/powerpoint/2010/main" val="3717266372"/>
       </p:ext>
     </p:extLst>
   </p:cSld>
@@ -7205,36 +7124,97 @@
           <a:chExt cx="0" cy="0"/>
         </a:xfrm>
       </p:grpSpPr>
-      <p:pic>
-        <p:nvPicPr>
-          <p:cNvPr id="4" name="内容占位符 3"/>
-          <p:cNvPicPr>
-            <a:picLocks noGrp="1" noChangeAspect="1"/>
-          </p:cNvPicPr>
+      <p:sp>
+        <p:nvSpPr>
+          <p:cNvPr id="2" name="标题 1"/>
+          <p:cNvSpPr>
+            <a:spLocks noGrp="1"/>
+          </p:cNvSpPr>
+          <p:nvPr>
+            <p:ph type="title"/>
+          </p:nvPr>
+        </p:nvSpPr>
+        <p:spPr/>
+        <p:txBody>
+          <a:bodyPr/>
+          <a:lstStyle/>
+          <a:p>
+            <a:r>
+              <a:rPr lang="en-CA" dirty="0"/>
+              <a:t>Conclusion</a:t>
+            </a:r>
+          </a:p>
+        </p:txBody>
+      </p:sp>
+      <p:sp>
+        <p:nvSpPr>
+          <p:cNvPr id="3" name="内容占位符 2"/>
+          <p:cNvSpPr>
+            <a:spLocks noGrp="1"/>
+          </p:cNvSpPr>
           <p:nvPr>
             <p:ph idx="1"/>
           </p:nvPr>
-        </p:nvPicPr>
-        <p:blipFill>
-          <a:blip r:embed="rId3"/>
-          <a:stretch>
-            <a:fillRect/>
-          </a:stretch>
-        </p:blipFill>
-        <p:spPr>
-          <a:xfrm>
-            <a:off x="446848" y="0"/>
-            <a:ext cx="11319166" cy="6233744"/>
-          </a:xfrm>
-          <a:prstGeom prst="rect">
-            <a:avLst/>
-          </a:prstGeom>
-        </p:spPr>
-      </p:pic>
+        </p:nvSpPr>
+        <p:spPr/>
+        <p:txBody>
+          <a:bodyPr vert="horz" lIns="0" tIns="45720" rIns="0" bIns="45720" rtlCol="0" anchor="t">
+            <a:normAutofit/>
+          </a:bodyPr>
+          <a:lstStyle/>
+          <a:p>
+            <a:pPr>
+              <a:buFont typeface="Wingdings" panose="05000000000000000000" pitchFamily="2" charset="2"/>
+              <a:buChar char="Ø"/>
+            </a:pPr>
+            <a:r>
+              <a:rPr lang="en-CA" dirty="0"/>
+              <a:t> Which method is better?</a:t>
+            </a:r>
+            <a:endParaRPr lang="en-US" dirty="0"/>
+          </a:p>
+          <a:p>
+            <a:pPr marL="383540" lvl="1">
+              <a:buFont typeface="Wingdings" panose="05000000000000000000" pitchFamily="2" charset="2"/>
+              <a:buChar char="Ø"/>
+            </a:pPr>
+            <a:r>
+              <a:rPr lang="en-CA" dirty="0">
+                <a:cs typeface="Calibri"/>
+              </a:rPr>
+              <a:t>We tested the APSE of the three models with 5-fold CV</a:t>
+            </a:r>
+          </a:p>
+          <a:p>
+            <a:pPr marL="383540" lvl="1">
+              <a:buFont typeface="Wingdings" panose="05000000000000000000" pitchFamily="2" charset="2"/>
+              <a:buChar char="Ø"/>
+            </a:pPr>
+            <a:r>
+              <a:rPr lang="en-CA" dirty="0">
+                <a:cs typeface="Calibri"/>
+              </a:rPr>
+              <a:t>GAM with thin plate splines had the lowest APSE of 0.96</a:t>
+            </a:r>
+          </a:p>
+          <a:p>
+            <a:pPr marL="383540" lvl="1">
+              <a:buFont typeface="Wingdings" panose="05000000000000000000" pitchFamily="2" charset="2"/>
+              <a:buChar char="Ø"/>
+            </a:pPr>
+            <a:r>
+              <a:rPr lang="en-CA" dirty="0">
+                <a:cs typeface="Calibri"/>
+              </a:rPr>
+              <a:t> Splines was also the fastest to compute out of the three</a:t>
+            </a:r>
+          </a:p>
+        </p:txBody>
+      </p:sp>
     </p:spTree>
     <p:extLst>
       <p:ext uri="{BB962C8B-B14F-4D97-AF65-F5344CB8AC3E}">
-        <p14:creationId xmlns:p14="http://schemas.microsoft.com/office/powerpoint/2010/main" val="3717266372"/>
+        <p14:creationId xmlns:p14="http://schemas.microsoft.com/office/powerpoint/2010/main" val="666862570"/>
       </p:ext>
     </p:extLst>
   </p:cSld>
@@ -7278,7 +7258,7 @@
           <a:p>
             <a:r>
               <a:rPr lang="en-CA" dirty="0"/>
-              <a:t>Conclusion</a:t>
+              <a:t>Conclusion (cont.)</a:t>
             </a:r>
           </a:p>
         </p:txBody>
@@ -7305,10 +7285,23 @@
               <a:buChar char="Ø"/>
             </a:pPr>
             <a:r>
-              <a:rPr lang="en-CA" dirty="0"/>
-              <a:t> Which method is better?</a:t>
-            </a:r>
-            <a:endParaRPr lang="en-US" dirty="0"/>
+              <a:rPr lang="en-CA" dirty="0">
+                <a:cs typeface="Calibri"/>
+              </a:rPr>
+              <a:t> There are very significant factors( e.g. age ) what are outside of players control</a:t>
+            </a:r>
+          </a:p>
+          <a:p>
+            <a:pPr>
+              <a:buFont typeface="Wingdings" panose="05000000000000000000" pitchFamily="2" charset="2"/>
+              <a:buChar char="Ø"/>
+            </a:pPr>
+            <a:r>
+              <a:rPr lang="en-CA" dirty="0">
+                <a:cs typeface="Calibri"/>
+              </a:rPr>
+              <a:t> Three most important aspect to work on includes</a:t>
+            </a:r>
           </a:p>
           <a:p>
             <a:pPr marL="383540" lvl="1">
@@ -7319,7 +7312,7 @@
               <a:rPr lang="en-CA" dirty="0">
                 <a:cs typeface="Calibri"/>
               </a:rPr>
-              <a:t>We tested the APSE of the three models with 5-fold CV</a:t>
+              <a:t>  Increasing Field Goals</a:t>
             </a:r>
           </a:p>
           <a:p>
@@ -7331,7 +7324,7 @@
               <a:rPr lang="en-CA" dirty="0">
                 <a:cs typeface="Calibri"/>
               </a:rPr>
-              <a:t>GAM with thin plate splines had the lowest APSE of 0.96</a:t>
+              <a:t> Reducing Turnovers</a:t>
             </a:r>
           </a:p>
           <a:p>
@@ -7343,15 +7336,41 @@
               <a:rPr lang="en-CA" dirty="0">
                 <a:cs typeface="Calibri"/>
               </a:rPr>
-              <a:t> Splines was also the fastest to compute out of the three</a:t>
-            </a:r>
+              <a:t> Increasing Rebound</a:t>
+            </a:r>
+          </a:p>
+          <a:p>
+            <a:pPr marL="383540" lvl="1">
+              <a:buFont typeface="Wingdings" panose="05000000000000000000" pitchFamily="2" charset="2"/>
+              <a:buChar char="Ø"/>
+            </a:pPr>
+            <a:endParaRPr lang="en-CA" dirty="0">
+              <a:cs typeface="Calibri"/>
+            </a:endParaRPr>
+          </a:p>
+          <a:p>
+            <a:pPr marL="383540" lvl="1">
+              <a:buFont typeface="Wingdings" panose="05000000000000000000" pitchFamily="2" charset="2"/>
+              <a:buChar char="Ø"/>
+            </a:pPr>
+            <a:endParaRPr lang="en-CA" dirty="0">
+              <a:cs typeface="Calibri"/>
+            </a:endParaRPr>
+          </a:p>
+          <a:p>
+            <a:pPr marL="200660" lvl="1" indent="0">
+              <a:buNone/>
+            </a:pPr>
+            <a:endParaRPr lang="en-CA" dirty="0">
+              <a:cs typeface="Calibri"/>
+            </a:endParaRPr>
           </a:p>
         </p:txBody>
       </p:sp>
     </p:spTree>
     <p:extLst>
       <p:ext uri="{BB962C8B-B14F-4D97-AF65-F5344CB8AC3E}">
-        <p14:creationId xmlns:p14="http://schemas.microsoft.com/office/powerpoint/2010/main" val="666862570"/>
+        <p14:creationId xmlns:p14="http://schemas.microsoft.com/office/powerpoint/2010/main" val="1539948905"/>
       </p:ext>
     </p:extLst>
   </p:cSld>
@@ -7395,162 +7414,6 @@
           <a:p>
             <a:r>
               <a:rPr lang="en-CA" dirty="0"/>
-              <a:t>Conclusion (cont.)</a:t>
-            </a:r>
-          </a:p>
-        </p:txBody>
-      </p:sp>
-      <p:sp>
-        <p:nvSpPr>
-          <p:cNvPr id="3" name="内容占位符 2"/>
-          <p:cNvSpPr>
-            <a:spLocks noGrp="1"/>
-          </p:cNvSpPr>
-          <p:nvPr>
-            <p:ph idx="1"/>
-          </p:nvPr>
-        </p:nvSpPr>
-        <p:spPr/>
-        <p:txBody>
-          <a:bodyPr vert="horz" lIns="0" tIns="45720" rIns="0" bIns="45720" rtlCol="0" anchor="t">
-            <a:normAutofit/>
-          </a:bodyPr>
-          <a:lstStyle/>
-          <a:p>
-            <a:pPr>
-              <a:buFont typeface="Wingdings" panose="05000000000000000000" pitchFamily="2" charset="2"/>
-              <a:buChar char="Ø"/>
-            </a:pPr>
-            <a:r>
-              <a:rPr lang="en-CA" dirty="0">
-                <a:cs typeface="Calibri"/>
-              </a:rPr>
-              <a:t> There are very significant factors( e.g. age ) what are outside of players control</a:t>
-            </a:r>
-          </a:p>
-          <a:p>
-            <a:pPr>
-              <a:buFont typeface="Wingdings" panose="05000000000000000000" pitchFamily="2" charset="2"/>
-              <a:buChar char="Ø"/>
-            </a:pPr>
-            <a:r>
-              <a:rPr lang="en-CA" dirty="0">
-                <a:cs typeface="Calibri"/>
-              </a:rPr>
-              <a:t> Three most important aspect to work on includes</a:t>
-            </a:r>
-          </a:p>
-          <a:p>
-            <a:pPr marL="383540" lvl="1">
-              <a:buFont typeface="Wingdings" panose="05000000000000000000" pitchFamily="2" charset="2"/>
-              <a:buChar char="Ø"/>
-            </a:pPr>
-            <a:r>
-              <a:rPr lang="en-CA" dirty="0">
-                <a:cs typeface="Calibri"/>
-              </a:rPr>
-              <a:t>  Increasing Field Goals</a:t>
-            </a:r>
-          </a:p>
-          <a:p>
-            <a:pPr marL="383540" lvl="1">
-              <a:buFont typeface="Wingdings" panose="05000000000000000000" pitchFamily="2" charset="2"/>
-              <a:buChar char="Ø"/>
-            </a:pPr>
-            <a:r>
-              <a:rPr lang="en-CA" dirty="0">
-                <a:cs typeface="Calibri"/>
-              </a:rPr>
-              <a:t> Reducing Turnovers</a:t>
-            </a:r>
-          </a:p>
-          <a:p>
-            <a:pPr marL="383540" lvl="1">
-              <a:buFont typeface="Wingdings" panose="05000000000000000000" pitchFamily="2" charset="2"/>
-              <a:buChar char="Ø"/>
-            </a:pPr>
-            <a:r>
-              <a:rPr lang="en-CA" dirty="0">
-                <a:cs typeface="Calibri"/>
-              </a:rPr>
-              <a:t> Increasing Rebound</a:t>
-            </a:r>
-          </a:p>
-          <a:p>
-            <a:pPr marL="383540" lvl="1">
-              <a:buFont typeface="Wingdings" panose="05000000000000000000" pitchFamily="2" charset="2"/>
-              <a:buChar char="Ø"/>
-            </a:pPr>
-            <a:endParaRPr lang="en-CA" dirty="0">
-              <a:cs typeface="Calibri"/>
-            </a:endParaRPr>
-          </a:p>
-          <a:p>
-            <a:pPr marL="383540" lvl="1">
-              <a:buFont typeface="Wingdings" panose="05000000000000000000" pitchFamily="2" charset="2"/>
-              <a:buChar char="Ø"/>
-            </a:pPr>
-            <a:endParaRPr lang="en-CA" dirty="0">
-              <a:cs typeface="Calibri"/>
-            </a:endParaRPr>
-          </a:p>
-          <a:p>
-            <a:pPr marL="200660" lvl="1" indent="0">
-              <a:buNone/>
-            </a:pPr>
-            <a:endParaRPr lang="en-CA" dirty="0">
-              <a:cs typeface="Calibri"/>
-            </a:endParaRPr>
-          </a:p>
-        </p:txBody>
-      </p:sp>
-    </p:spTree>
-    <p:extLst>
-      <p:ext uri="{BB962C8B-B14F-4D97-AF65-F5344CB8AC3E}">
-        <p14:creationId xmlns:p14="http://schemas.microsoft.com/office/powerpoint/2010/main" val="1539948905"/>
-      </p:ext>
-    </p:extLst>
-  </p:cSld>
-  <p:clrMapOvr>
-    <a:masterClrMapping/>
-  </p:clrMapOvr>
-</p:sld>
-</file>
-
-<file path=ppt/slides/slide25.xml><?xml version="1.0" encoding="utf-8"?>
-<p:sld xmlns:a="http://schemas.openxmlformats.org/drawingml/2006/main" xmlns:r="http://schemas.openxmlformats.org/officeDocument/2006/relationships" xmlns:p="http://schemas.openxmlformats.org/presentationml/2006/main">
-  <p:cSld>
-    <p:spTree>
-      <p:nvGrpSpPr>
-        <p:cNvPr id="1" name=""/>
-        <p:cNvGrpSpPr/>
-        <p:nvPr/>
-      </p:nvGrpSpPr>
-      <p:grpSpPr>
-        <a:xfrm>
-          <a:off x="0" y="0"/>
-          <a:ext cx="0" cy="0"/>
-          <a:chOff x="0" y="0"/>
-          <a:chExt cx="0" cy="0"/>
-        </a:xfrm>
-      </p:grpSpPr>
-      <p:sp>
-        <p:nvSpPr>
-          <p:cNvPr id="2" name="标题 1"/>
-          <p:cNvSpPr>
-            <a:spLocks noGrp="1"/>
-          </p:cNvSpPr>
-          <p:nvPr>
-            <p:ph type="title"/>
-          </p:nvPr>
-        </p:nvSpPr>
-        <p:spPr/>
-        <p:txBody>
-          <a:bodyPr/>
-          <a:lstStyle/>
-          <a:p>
-            <a:r>
-              <a:rPr lang="en-CA" dirty="0"/>
               <a:t>Future Work</a:t>
             </a:r>
           </a:p>
@@ -7626,7 +7489,7 @@
 </p:sld>
 </file>
 
-<file path=ppt/slides/slide26.xml><?xml version="1.0" encoding="utf-8"?>
+<file path=ppt/slides/slide25.xml><?xml version="1.0" encoding="utf-8"?>
 <p:sld xmlns:a="http://schemas.openxmlformats.org/drawingml/2006/main" xmlns:r="http://schemas.openxmlformats.org/officeDocument/2006/relationships" xmlns:p="http://schemas.openxmlformats.org/presentationml/2006/main">
   <p:cSld>
     <p:spTree>
